--- a/01 Classes/Aula 01 Programação Python - Caracterização e Ambiente.pptx
+++ b/01 Classes/Aula 01 Programação Python - Caracterização e Ambiente.pptx
@@ -5918,6 +5918,16 @@
               <a:t> </a:t>
             </a:r>
             <a:r>
+              <a:rPr lang="pt-BR" sz="2000" b="1" dirty="0" err="1">
+                <a:solidFill>
+                  <a:srgbClr val="0070C0"/>
+                </a:solidFill>
+                <a:latin typeface="Times New Roman" panose="02020603050405020304" pitchFamily="18" charset="0"/>
+                <a:cs typeface="Times New Roman" panose="02020603050405020304" pitchFamily="18" charset="0"/>
+              </a:rPr>
+              <a:t>main</a:t>
+            </a:r>
+            <a:r>
               <a:rPr lang="pt-BR" sz="2000" b="1" dirty="0">
                 <a:solidFill>
                   <a:srgbClr val="FF0000"/>
@@ -5925,7 +5935,7 @@
                 <a:latin typeface="Times New Roman" panose="02020603050405020304" pitchFamily="18" charset="0"/>
                 <a:cs typeface="Times New Roman" panose="02020603050405020304" pitchFamily="18" charset="0"/>
               </a:rPr>
-              <a:t>master</a:t>
+              <a:t> ou master</a:t>
             </a:r>
           </a:p>
           <a:p>
@@ -5962,6 +5972,16 @@
               <a:t>: </a:t>
             </a:r>
             <a:r>
+              <a:rPr lang="pt-BR" sz="2000" b="1" dirty="0" err="1">
+                <a:solidFill>
+                  <a:srgbClr val="0070C0"/>
+                </a:solidFill>
+                <a:latin typeface="Times New Roman" panose="02020603050405020304" pitchFamily="18" charset="0"/>
+                <a:cs typeface="Times New Roman" panose="02020603050405020304" pitchFamily="18" charset="0"/>
+              </a:rPr>
+              <a:t>main</a:t>
+            </a:r>
+            <a:r>
               <a:rPr lang="pt-BR" sz="2000" b="1" dirty="0">
                 <a:solidFill>
                   <a:srgbClr val="0070C0"/>
@@ -5969,17 +5989,17 @@
                 <a:latin typeface="Times New Roman" panose="02020603050405020304" pitchFamily="18" charset="0"/>
                 <a:cs typeface="Times New Roman" panose="02020603050405020304" pitchFamily="18" charset="0"/>
               </a:rPr>
-              <a:t>master ou </a:t>
-            </a:r>
-            <a:r>
-              <a:rPr lang="pt-BR" sz="2000" b="1" dirty="0" err="1">
+              <a:t> </a:t>
+            </a:r>
+            <a:r>
+              <a:rPr lang="pt-BR" sz="2000" b="1">
                 <a:solidFill>
                   <a:srgbClr val="0070C0"/>
                 </a:solidFill>
                 <a:latin typeface="Times New Roman" panose="02020603050405020304" pitchFamily="18" charset="0"/>
                 <a:cs typeface="Times New Roman" panose="02020603050405020304" pitchFamily="18" charset="0"/>
               </a:rPr>
-              <a:t>main</a:t>
+              <a:t>ou master</a:t>
             </a:r>
             <a:r>
               <a:rPr lang="pt-BR" sz="2000" b="1" dirty="0">
@@ -6556,7 +6576,7 @@
                 <a:latin typeface="Times New Roman" panose="02020603050405020304" pitchFamily="18" charset="0"/>
                 <a:cs typeface="Times New Roman" panose="02020603050405020304" pitchFamily="18" charset="0"/>
               </a:rPr>
-              <a:t> --global usern.name “</a:t>
+              <a:t> --global user.name “</a:t>
             </a:r>
             <a:r>
               <a:rPr lang="pt-BR" b="1" dirty="0">
@@ -6633,7 +6653,7 @@
                 <a:latin typeface="Times New Roman" panose="02020603050405020304" pitchFamily="18" charset="0"/>
                 <a:cs typeface="Times New Roman" panose="02020603050405020304" pitchFamily="18" charset="0"/>
               </a:rPr>
-              <a:t>usern.email</a:t>
+              <a:t>user.email</a:t>
             </a:r>
             <a:r>
               <a:rPr lang="pt-BR" b="1" dirty="0">
@@ -7376,7 +7396,27 @@
                 <a:latin typeface="Times New Roman" panose="02020603050405020304" pitchFamily="18" charset="0"/>
                 <a:cs typeface="Times New Roman" panose="02020603050405020304" pitchFamily="18" charset="0"/>
               </a:rPr>
-              <a:t> master</a:t>
+              <a:t> </a:t>
+            </a:r>
+            <a:r>
+              <a:rPr lang="pt-BR" sz="2000" b="1" dirty="0" err="1">
+                <a:solidFill>
+                  <a:srgbClr val="0070C0"/>
+                </a:solidFill>
+                <a:latin typeface="Times New Roman" panose="02020603050405020304" pitchFamily="18" charset="0"/>
+                <a:cs typeface="Times New Roman" panose="02020603050405020304" pitchFamily="18" charset="0"/>
+              </a:rPr>
+              <a:t>main</a:t>
+            </a:r>
+            <a:r>
+              <a:rPr lang="pt-BR" sz="2000" b="1" dirty="0">
+                <a:solidFill>
+                  <a:srgbClr val="FF0000"/>
+                </a:solidFill>
+                <a:latin typeface="Times New Roman" panose="02020603050405020304" pitchFamily="18" charset="0"/>
+                <a:cs typeface="Times New Roman" panose="02020603050405020304" pitchFamily="18" charset="0"/>
+              </a:rPr>
+              <a:t> ou master</a:t>
             </a:r>
             <a:r>
               <a:rPr lang="pt-BR" sz="2000" dirty="0">
@@ -7448,17 +7488,7 @@
                 <a:latin typeface="Times New Roman" panose="02020603050405020304" pitchFamily="18" charset="0"/>
                 <a:cs typeface="Times New Roman" panose="02020603050405020304" pitchFamily="18" charset="0"/>
               </a:rPr>
-              <a:t> (Pesquisar tema SSH) </a:t>
-            </a:r>
-            <a:r>
-              <a:rPr lang="pt-BR" sz="2000" b="1">
-                <a:solidFill>
-                  <a:srgbClr val="FF0000"/>
-                </a:solidFill>
-                <a:latin typeface="Times New Roman" panose="02020603050405020304" pitchFamily="18" charset="0"/>
-                <a:cs typeface="Times New Roman" panose="02020603050405020304" pitchFamily="18" charset="0"/>
-              </a:rPr>
-              <a:t>- Token</a:t>
+              <a:t> (Pesquisar tema SSH) - Token</a:t>
             </a:r>
             <a:endParaRPr lang="pt-BR" sz="2000" dirty="0">
               <a:latin typeface="Times New Roman" panose="02020603050405020304" pitchFamily="18" charset="0"/>

--- a/01 Classes/Aula 01 Programação Python - Caracterização e Ambiente.pptx
+++ b/01 Classes/Aula 01 Programação Python - Caracterização e Ambiente.pptx
@@ -5,7 +5,7 @@
     <p:sldMasterId id="2147483648" r:id="rId1"/>
   </p:sldMasterIdLst>
   <p:notesMasterIdLst>
-    <p:notesMasterId r:id="rId24"/>
+    <p:notesMasterId r:id="rId25"/>
   </p:notesMasterIdLst>
   <p:sldIdLst>
     <p:sldId id="256" r:id="rId2"/>
@@ -25,11 +25,12 @@
     <p:sldId id="345" r:id="rId16"/>
     <p:sldId id="348" r:id="rId17"/>
     <p:sldId id="349" r:id="rId18"/>
-    <p:sldId id="333" r:id="rId19"/>
-    <p:sldId id="323" r:id="rId20"/>
-    <p:sldId id="334" r:id="rId21"/>
-    <p:sldId id="337" r:id="rId22"/>
-    <p:sldId id="309" r:id="rId23"/>
+    <p:sldId id="412" r:id="rId19"/>
+    <p:sldId id="333" r:id="rId20"/>
+    <p:sldId id="323" r:id="rId21"/>
+    <p:sldId id="334" r:id="rId22"/>
+    <p:sldId id="337" r:id="rId23"/>
+    <p:sldId id="309" r:id="rId24"/>
   </p:sldIdLst>
   <p:sldSz cx="9144000" cy="5143500" type="screen16x9"/>
   <p:notesSz cx="6858000" cy="9144000"/>
@@ -1094,7 +1095,7 @@
     </p:spTree>
     <p:extLst>
       <p:ext uri="{BB962C8B-B14F-4D97-AF65-F5344CB8AC3E}">
-        <p14:creationId xmlns:p14="http://schemas.microsoft.com/office/powerpoint/2010/main" val="585304384"/>
+        <p14:creationId xmlns:p14="http://schemas.microsoft.com/office/powerpoint/2010/main" val="3734036096"/>
       </p:ext>
     </p:extLst>
   </p:cSld>
@@ -1160,7 +1161,7 @@
     </p:spTree>
     <p:extLst>
       <p:ext uri="{BB962C8B-B14F-4D97-AF65-F5344CB8AC3E}">
-        <p14:creationId xmlns:p14="http://schemas.microsoft.com/office/powerpoint/2010/main" val="2709569597"/>
+        <p14:creationId xmlns:p14="http://schemas.microsoft.com/office/powerpoint/2010/main" val="585304384"/>
       </p:ext>
     </p:extLst>
   </p:cSld>
@@ -1226,7 +1227,7 @@
     </p:spTree>
     <p:extLst>
       <p:ext uri="{BB962C8B-B14F-4D97-AF65-F5344CB8AC3E}">
-        <p14:creationId xmlns:p14="http://schemas.microsoft.com/office/powerpoint/2010/main" val="2296249050"/>
+        <p14:creationId xmlns:p14="http://schemas.microsoft.com/office/powerpoint/2010/main" val="2709569597"/>
       </p:ext>
     </p:extLst>
   </p:cSld>
@@ -1303,6 +1304,72 @@
 </file>
 
 <file path=ppt/notesSlides/notesSlide20.xml><?xml version="1.0" encoding="utf-8"?>
+<p:notes xmlns:a="http://schemas.openxmlformats.org/drawingml/2006/main" xmlns:r="http://schemas.openxmlformats.org/officeDocument/2006/relationships" xmlns:p="http://schemas.openxmlformats.org/presentationml/2006/main">
+  <p:cSld>
+    <p:spTree>
+      <p:nvGrpSpPr>
+        <p:cNvPr id="1" name=""/>
+        <p:cNvGrpSpPr/>
+        <p:nvPr/>
+      </p:nvGrpSpPr>
+      <p:grpSpPr>
+        <a:xfrm>
+          <a:off x="0" y="0"/>
+          <a:ext cx="0" cy="0"/>
+          <a:chOff x="0" y="0"/>
+          <a:chExt cx="0" cy="0"/>
+        </a:xfrm>
+      </p:grpSpPr>
+      <p:sp>
+        <p:nvSpPr>
+          <p:cNvPr id="2" name="Espaço Reservado para Imagem de Slide 1"/>
+          <p:cNvSpPr>
+            <a:spLocks noGrp="1" noRot="1" noChangeAspect="1"/>
+          </p:cNvSpPr>
+          <p:nvPr>
+            <p:ph type="sldImg"/>
+          </p:nvPr>
+        </p:nvSpPr>
+        <p:spPr>
+          <a:xfrm>
+            <a:off x="381000" y="685800"/>
+            <a:ext cx="6096000" cy="3429000"/>
+          </a:xfrm>
+        </p:spPr>
+      </p:sp>
+      <p:sp>
+        <p:nvSpPr>
+          <p:cNvPr id="3" name="Espaço Reservado para Anotações 2"/>
+          <p:cNvSpPr>
+            <a:spLocks noGrp="1"/>
+          </p:cNvSpPr>
+          <p:nvPr>
+            <p:ph type="body" idx="1"/>
+          </p:nvPr>
+        </p:nvSpPr>
+        <p:spPr/>
+        <p:txBody>
+          <a:bodyPr/>
+          <a:lstStyle/>
+          <a:p>
+            <a:endParaRPr lang="pt-BR" dirty="0"/>
+          </a:p>
+        </p:txBody>
+      </p:sp>
+    </p:spTree>
+    <p:extLst>
+      <p:ext uri="{BB962C8B-B14F-4D97-AF65-F5344CB8AC3E}">
+        <p14:creationId xmlns:p14="http://schemas.microsoft.com/office/powerpoint/2010/main" val="2296249050"/>
+      </p:ext>
+    </p:extLst>
+  </p:cSld>
+  <p:clrMapOvr>
+    <a:masterClrMapping/>
+  </p:clrMapOvr>
+</p:notes>
+</file>
+
+<file path=ppt/notesSlides/notesSlide21.xml><?xml version="1.0" encoding="utf-8"?>
 <p:notes xmlns:a="http://schemas.openxmlformats.org/drawingml/2006/main" xmlns:r="http://schemas.openxmlformats.org/officeDocument/2006/relationships" xmlns:p="http://schemas.openxmlformats.org/presentationml/2006/main">
   <p:cSld>
     <p:spTree>
@@ -5053,7 +5120,7 @@
               <a:buNone/>
             </a:pPr>
             <a:r>
-              <a:rPr lang="pt-BR" sz="2400" b="1" dirty="0">
+              <a:rPr lang="pt-BR" sz="2000" b="1" dirty="0">
                 <a:solidFill>
                   <a:srgbClr val="FF0000"/>
                 </a:solidFill>
@@ -5068,21 +5135,21 @@
               <a:buNone/>
             </a:pPr>
             <a:r>
-              <a:rPr lang="pt-BR" sz="2400" b="1" dirty="0">
+              <a:rPr lang="pt-BR" sz="2000" b="1" dirty="0">
                 <a:latin typeface="Times New Roman" panose="02020603050405020304" pitchFamily="18" charset="0"/>
                 <a:cs typeface="Times New Roman" panose="02020603050405020304" pitchFamily="18" charset="0"/>
               </a:rPr>
               <a:t>- Controle de Versão </a:t>
             </a:r>
             <a:r>
-              <a:rPr lang="pt-BR" sz="2400" b="1" dirty="0" err="1">
+              <a:rPr lang="pt-BR" sz="2000" b="1" dirty="0" err="1">
                 <a:latin typeface="Times New Roman" panose="02020603050405020304" pitchFamily="18" charset="0"/>
                 <a:cs typeface="Times New Roman" panose="02020603050405020304" pitchFamily="18" charset="0"/>
               </a:rPr>
               <a:t>Git</a:t>
             </a:r>
             <a:r>
-              <a:rPr lang="pt-BR" sz="2400" b="1" dirty="0">
+              <a:rPr lang="pt-BR" sz="2000" b="1" dirty="0">
                 <a:latin typeface="Times New Roman" panose="02020603050405020304" pitchFamily="18" charset="0"/>
                 <a:cs typeface="Times New Roman" panose="02020603050405020304" pitchFamily="18" charset="0"/>
               </a:rPr>
@@ -5094,21 +5161,21 @@
               <a:buNone/>
             </a:pPr>
             <a:r>
-              <a:rPr lang="pt-BR" sz="2400" dirty="0">
+              <a:rPr lang="pt-BR" sz="2000" dirty="0">
                 <a:latin typeface="Times New Roman" panose="02020603050405020304" pitchFamily="18" charset="0"/>
                 <a:cs typeface="Times New Roman" panose="02020603050405020304" pitchFamily="18" charset="0"/>
               </a:rPr>
               <a:t>	</a:t>
             </a:r>
             <a:r>
-              <a:rPr lang="pt-BR" sz="2400" dirty="0">
+              <a:rPr lang="pt-BR" sz="2000" dirty="0">
                 <a:latin typeface="Times New Roman" panose="02020603050405020304" pitchFamily="18" charset="0"/>
                 <a:cs typeface="Times New Roman" panose="02020603050405020304" pitchFamily="18" charset="0"/>
                 <a:hlinkClick r:id="rId3"/>
               </a:rPr>
               <a:t>https://git-scm.com/downloads</a:t>
             </a:r>
-            <a:endParaRPr lang="pt-BR" sz="2400" dirty="0">
+            <a:endParaRPr lang="pt-BR" sz="2000" dirty="0">
               <a:latin typeface="Times New Roman" panose="02020603050405020304" pitchFamily="18" charset="0"/>
               <a:cs typeface="Times New Roman" panose="02020603050405020304" pitchFamily="18" charset="0"/>
             </a:endParaRPr>
@@ -5118,21 +5185,21 @@
               <a:buNone/>
             </a:pPr>
             <a:r>
-              <a:rPr lang="pt-BR" sz="2400" b="1" dirty="0">
+              <a:rPr lang="pt-BR" sz="2000" b="1" dirty="0">
                 <a:latin typeface="Times New Roman" panose="02020603050405020304" pitchFamily="18" charset="0"/>
                 <a:cs typeface="Times New Roman" panose="02020603050405020304" pitchFamily="18" charset="0"/>
               </a:rPr>
               <a:t>- Controle de Versão </a:t>
             </a:r>
             <a:r>
-              <a:rPr lang="pt-BR" sz="2400" b="1" dirty="0" err="1">
+              <a:rPr lang="pt-BR" sz="2000" b="1" dirty="0" err="1">
                 <a:latin typeface="Times New Roman" panose="02020603050405020304" pitchFamily="18" charset="0"/>
                 <a:cs typeface="Times New Roman" panose="02020603050405020304" pitchFamily="18" charset="0"/>
               </a:rPr>
               <a:t>Cmder</a:t>
             </a:r>
             <a:r>
-              <a:rPr lang="pt-BR" sz="2400" b="1" dirty="0">
+              <a:rPr lang="pt-BR" sz="2000" b="1" dirty="0">
                 <a:latin typeface="Times New Roman" panose="02020603050405020304" pitchFamily="18" charset="0"/>
                 <a:cs typeface="Times New Roman" panose="02020603050405020304" pitchFamily="18" charset="0"/>
               </a:rPr>
@@ -5144,21 +5211,21 @@
               <a:buNone/>
             </a:pPr>
             <a:r>
-              <a:rPr lang="pt-BR" sz="2400" dirty="0">
+              <a:rPr lang="pt-BR" sz="2000" dirty="0">
                 <a:latin typeface="Times New Roman" panose="02020603050405020304" pitchFamily="18" charset="0"/>
                 <a:cs typeface="Times New Roman" panose="02020603050405020304" pitchFamily="18" charset="0"/>
               </a:rPr>
               <a:t>	</a:t>
             </a:r>
             <a:r>
-              <a:rPr lang="pt-BR" sz="2400" dirty="0">
+              <a:rPr lang="pt-BR" sz="2000" dirty="0">
                 <a:latin typeface="Times New Roman" panose="02020603050405020304" pitchFamily="18" charset="0"/>
                 <a:cs typeface="Times New Roman" panose="02020603050405020304" pitchFamily="18" charset="0"/>
                 <a:hlinkClick r:id="rId4"/>
               </a:rPr>
               <a:t>https://cmder.net/</a:t>
             </a:r>
-            <a:endParaRPr lang="pt-BR" sz="2400" dirty="0">
+            <a:endParaRPr lang="pt-BR" sz="2000" dirty="0">
               <a:latin typeface="Times New Roman" panose="02020603050405020304" pitchFamily="18" charset="0"/>
               <a:cs typeface="Times New Roman" panose="02020603050405020304" pitchFamily="18" charset="0"/>
             </a:endParaRPr>
@@ -5168,34 +5235,47 @@
               <a:buNone/>
             </a:pPr>
             <a:r>
-              <a:rPr lang="pt-BR" sz="2400" b="1" dirty="0">
+              <a:rPr lang="pt-BR" sz="2000" b="1" dirty="0">
                 <a:latin typeface="Times New Roman" panose="02020603050405020304" pitchFamily="18" charset="0"/>
                 <a:cs typeface="Times New Roman" panose="02020603050405020304" pitchFamily="18" charset="0"/>
               </a:rPr>
               <a:t>- IDE - Desenvolvimento Python </a:t>
             </a:r>
             <a:r>
-              <a:rPr lang="pt-BR" sz="2400" b="1" dirty="0" err="1">
+              <a:rPr lang="pt-BR" sz="2000" b="1" dirty="0" err="1">
                 <a:latin typeface="Times New Roman" panose="02020603050405020304" pitchFamily="18" charset="0"/>
                 <a:cs typeface="Times New Roman" panose="02020603050405020304" pitchFamily="18" charset="0"/>
               </a:rPr>
               <a:t>VSCode</a:t>
             </a:r>
             <a:r>
-              <a:rPr lang="pt-BR" sz="2400" b="1" dirty="0">
-                <a:latin typeface="Times New Roman" panose="02020603050405020304" pitchFamily="18" charset="0"/>
-                <a:cs typeface="Times New Roman" panose="02020603050405020304" pitchFamily="18" charset="0"/>
-              </a:rPr>
-              <a:t> – </a:t>
-            </a:r>
-            <a:r>
-              <a:rPr lang="pt-BR" sz="2400" b="1">
-                <a:latin typeface="Times New Roman" panose="02020603050405020304" pitchFamily="18" charset="0"/>
-                <a:cs typeface="Times New Roman" panose="02020603050405020304" pitchFamily="18" charset="0"/>
-              </a:rPr>
-              <a:t>Baixar versão ZIP</a:t>
-            </a:r>
-            <a:endParaRPr lang="pt-BR" sz="2400" b="1" dirty="0">
+              <a:rPr lang="pt-BR" sz="2000" b="1" dirty="0">
+                <a:latin typeface="Times New Roman" panose="02020603050405020304" pitchFamily="18" charset="0"/>
+                <a:cs typeface="Times New Roman" panose="02020603050405020304" pitchFamily="18" charset="0"/>
+              </a:rPr>
+              <a:t> – Baixar versão ZIP</a:t>
+            </a:r>
+          </a:p>
+          <a:p>
+            <a:pPr marL="0" indent="0" algn="just">
+              <a:buNone/>
+            </a:pPr>
+            <a:r>
+              <a:rPr lang="pt-BR" sz="2000" dirty="0">
+                <a:latin typeface="Times New Roman" panose="02020603050405020304" pitchFamily="18" charset="0"/>
+                <a:cs typeface="Times New Roman" panose="02020603050405020304" pitchFamily="18" charset="0"/>
+              </a:rPr>
+              <a:t>	</a:t>
+            </a:r>
+            <a:r>
+              <a:rPr lang="pt-BR" sz="2000" dirty="0">
+                <a:latin typeface="Times New Roman" panose="02020603050405020304" pitchFamily="18" charset="0"/>
+                <a:cs typeface="Times New Roman" panose="02020603050405020304" pitchFamily="18" charset="0"/>
+                <a:hlinkClick r:id="rId5"/>
+              </a:rPr>
+              <a:t>https://code.visualstudio.com/download</a:t>
+            </a:r>
+            <a:endParaRPr lang="pt-BR" sz="2000" dirty="0">
               <a:latin typeface="Times New Roman" panose="02020603050405020304" pitchFamily="18" charset="0"/>
               <a:cs typeface="Times New Roman" panose="02020603050405020304" pitchFamily="18" charset="0"/>
             </a:endParaRPr>
@@ -5204,31 +5284,7 @@
             <a:pPr marL="0" indent="0" algn="just">
               <a:buNone/>
             </a:pPr>
-            <a:r>
-              <a:rPr lang="pt-BR" sz="2400" dirty="0">
-                <a:latin typeface="Times New Roman" panose="02020603050405020304" pitchFamily="18" charset="0"/>
-                <a:cs typeface="Times New Roman" panose="02020603050405020304" pitchFamily="18" charset="0"/>
-              </a:rPr>
-              <a:t>	</a:t>
-            </a:r>
-            <a:r>
-              <a:rPr lang="pt-BR" sz="2400" dirty="0">
-                <a:latin typeface="Times New Roman" panose="02020603050405020304" pitchFamily="18" charset="0"/>
-                <a:cs typeface="Times New Roman" panose="02020603050405020304" pitchFamily="18" charset="0"/>
-                <a:hlinkClick r:id="rId5"/>
-              </a:rPr>
-              <a:t>https://code.visualstudio.com/download</a:t>
-            </a:r>
-            <a:endParaRPr lang="pt-BR" sz="2400" dirty="0">
-              <a:latin typeface="Times New Roman" panose="02020603050405020304" pitchFamily="18" charset="0"/>
-              <a:cs typeface="Times New Roman" panose="02020603050405020304" pitchFamily="18" charset="0"/>
-            </a:endParaRPr>
-          </a:p>
-          <a:p>
-            <a:pPr marL="0" indent="0" algn="just">
-              <a:buNone/>
-            </a:pPr>
-            <a:endParaRPr lang="pt-BR" sz="2400" dirty="0">
+            <a:endParaRPr lang="pt-BR" sz="2000" dirty="0">
               <a:latin typeface="Times New Roman" panose="02020603050405020304" pitchFamily="18" charset="0"/>
               <a:cs typeface="Times New Roman" panose="02020603050405020304" pitchFamily="18" charset="0"/>
             </a:endParaRPr>
@@ -5343,51 +5399,37 @@
           </a:bodyPr>
           <a:lstStyle/>
           <a:p>
-            <a:pPr marL="0" indent="0" algn="just">
-              <a:buNone/>
-            </a:pPr>
-            <a:r>
-              <a:rPr lang="pt-BR" sz="3200" dirty="0">
-                <a:latin typeface="Times New Roman" panose="02020603050405020304" pitchFamily="18" charset="0"/>
-                <a:cs typeface="Times New Roman" panose="02020603050405020304" pitchFamily="18" charset="0"/>
-              </a:rPr>
-              <a:t>1. Cria conta no github.com (https://github.com)</a:t>
-            </a:r>
-          </a:p>
-          <a:p>
-            <a:pPr marL="0" indent="0" algn="just">
-              <a:buNone/>
-            </a:pPr>
-            <a:r>
-              <a:rPr lang="pt-BR" sz="3200" dirty="0">
-                <a:latin typeface="Times New Roman" panose="02020603050405020304" pitchFamily="18" charset="0"/>
-                <a:cs typeface="Times New Roman" panose="02020603050405020304" pitchFamily="18" charset="0"/>
-              </a:rPr>
-              <a:t>2. Download / instalar a tool </a:t>
-            </a:r>
-            <a:r>
-              <a:rPr lang="pt-BR" sz="3200" dirty="0" err="1">
-                <a:latin typeface="Times New Roman" panose="02020603050405020304" pitchFamily="18" charset="0"/>
-                <a:cs typeface="Times New Roman" panose="02020603050405020304" pitchFamily="18" charset="0"/>
-              </a:rPr>
-              <a:t>git</a:t>
-            </a:r>
-            <a:r>
-              <a:rPr lang="pt-BR" sz="3200" dirty="0">
-                <a:latin typeface="Times New Roman" panose="02020603050405020304" pitchFamily="18" charset="0"/>
-                <a:cs typeface="Times New Roman" panose="02020603050405020304" pitchFamily="18" charset="0"/>
-              </a:rPr>
-              <a:t>: </a:t>
-            </a:r>
-            <a:r>
-              <a:rPr lang="pt-BR" sz="3200" dirty="0">
+            <a:pPr marL="457200" indent="-457200" algn="just">
+              <a:buAutoNum type="arabicPeriod"/>
+            </a:pPr>
+            <a:r>
+              <a:rPr lang="pt-BR" sz="2400" dirty="0">
+                <a:latin typeface="Times New Roman" panose="02020603050405020304" pitchFamily="18" charset="0"/>
+                <a:cs typeface="Times New Roman" panose="02020603050405020304" pitchFamily="18" charset="0"/>
+              </a:rPr>
+              <a:t>Cria conta no github.com (</a:t>
+            </a:r>
+            <a:r>
+              <a:rPr lang="pt-BR" sz="2400" dirty="0">
                 <a:latin typeface="Times New Roman" panose="02020603050405020304" pitchFamily="18" charset="0"/>
                 <a:cs typeface="Times New Roman" panose="02020603050405020304" pitchFamily="18" charset="0"/>
                 <a:hlinkClick r:id="rId3"/>
               </a:rPr>
-              <a:t>https://git-scm.com/downloads</a:t>
-            </a:r>
-            <a:endParaRPr lang="pt-BR" sz="3200" dirty="0">
+              <a:t>https://github.com</a:t>
+            </a:r>
+            <a:r>
+              <a:rPr lang="pt-BR" sz="2400" dirty="0">
+                <a:latin typeface="Times New Roman" panose="02020603050405020304" pitchFamily="18" charset="0"/>
+                <a:cs typeface="Times New Roman" panose="02020603050405020304" pitchFamily="18" charset="0"/>
+              </a:rPr>
+              <a:t>)</a:t>
+            </a:r>
+          </a:p>
+          <a:p>
+            <a:pPr marL="457200" indent="-457200" algn="just">
+              <a:buAutoNum type="arabicPeriod"/>
+            </a:pPr>
+            <a:endParaRPr lang="pt-BR" sz="2400" dirty="0">
               <a:latin typeface="Times New Roman" panose="02020603050405020304" pitchFamily="18" charset="0"/>
               <a:cs typeface="Times New Roman" panose="02020603050405020304" pitchFamily="18" charset="0"/>
             </a:endParaRPr>
@@ -5397,35 +5439,82 @@
               <a:buNone/>
             </a:pPr>
             <a:r>
-              <a:rPr lang="pt-BR" sz="3200" dirty="0">
+              <a:rPr lang="pt-BR" sz="2400" dirty="0">
+                <a:latin typeface="Times New Roman" panose="02020603050405020304" pitchFamily="18" charset="0"/>
+                <a:cs typeface="Times New Roman" panose="02020603050405020304" pitchFamily="18" charset="0"/>
+              </a:rPr>
+              <a:t>2. Download / instalar a tool </a:t>
+            </a:r>
+            <a:r>
+              <a:rPr lang="pt-BR" sz="2400" dirty="0" err="1">
+                <a:latin typeface="Times New Roman" panose="02020603050405020304" pitchFamily="18" charset="0"/>
+                <a:cs typeface="Times New Roman" panose="02020603050405020304" pitchFamily="18" charset="0"/>
+              </a:rPr>
+              <a:t>git</a:t>
+            </a:r>
+            <a:r>
+              <a:rPr lang="pt-BR" sz="2400" dirty="0">
+                <a:latin typeface="Times New Roman" panose="02020603050405020304" pitchFamily="18" charset="0"/>
+                <a:cs typeface="Times New Roman" panose="02020603050405020304" pitchFamily="18" charset="0"/>
+              </a:rPr>
+              <a:t>: </a:t>
+            </a:r>
+            <a:r>
+              <a:rPr lang="pt-BR" sz="2400" dirty="0">
+                <a:latin typeface="Times New Roman" panose="02020603050405020304" pitchFamily="18" charset="0"/>
+                <a:cs typeface="Times New Roman" panose="02020603050405020304" pitchFamily="18" charset="0"/>
+                <a:hlinkClick r:id="rId4"/>
+              </a:rPr>
+              <a:t>https://git-scm.com/downloads</a:t>
+            </a:r>
+            <a:endParaRPr lang="pt-BR" sz="2400" dirty="0">
+              <a:latin typeface="Times New Roman" panose="02020603050405020304" pitchFamily="18" charset="0"/>
+              <a:cs typeface="Times New Roman" panose="02020603050405020304" pitchFamily="18" charset="0"/>
+            </a:endParaRPr>
+          </a:p>
+          <a:p>
+            <a:pPr marL="0" indent="0" algn="just">
+              <a:buNone/>
+            </a:pPr>
+            <a:endParaRPr lang="pt-BR" sz="2400" dirty="0">
+              <a:latin typeface="Times New Roman" panose="02020603050405020304" pitchFamily="18" charset="0"/>
+              <a:cs typeface="Times New Roman" panose="02020603050405020304" pitchFamily="18" charset="0"/>
+            </a:endParaRPr>
+          </a:p>
+          <a:p>
+            <a:pPr marL="0" indent="0" algn="just">
+              <a:buNone/>
+            </a:pPr>
+            <a:r>
+              <a:rPr lang="pt-BR" sz="2400" dirty="0">
                 <a:latin typeface="Times New Roman" panose="02020603050405020304" pitchFamily="18" charset="0"/>
                 <a:cs typeface="Times New Roman" panose="02020603050405020304" pitchFamily="18" charset="0"/>
               </a:rPr>
               <a:t>3. </a:t>
             </a:r>
             <a:r>
-              <a:rPr lang="pt-BR" sz="3200" b="1" dirty="0" err="1">
+              <a:rPr lang="pt-BR" sz="2400" b="1" dirty="0" err="1">
                 <a:latin typeface="Times New Roman" panose="02020603050405020304" pitchFamily="18" charset="0"/>
                 <a:cs typeface="Times New Roman" panose="02020603050405020304" pitchFamily="18" charset="0"/>
               </a:rPr>
               <a:t>Logar</a:t>
             </a:r>
             <a:r>
-              <a:rPr lang="pt-BR" sz="3200" dirty="0">
+              <a:rPr lang="pt-BR" sz="2400" dirty="0">
                 <a:latin typeface="Times New Roman" panose="02020603050405020304" pitchFamily="18" charset="0"/>
                 <a:cs typeface="Times New Roman" panose="02020603050405020304" pitchFamily="18" charset="0"/>
               </a:rPr>
               <a:t> no </a:t>
             </a:r>
             <a:r>
-              <a:rPr lang="pt-BR" sz="3200" b="1" dirty="0">
+              <a:rPr lang="pt-BR" sz="2400" b="1" dirty="0">
                 <a:latin typeface="Times New Roman" panose="02020603050405020304" pitchFamily="18" charset="0"/>
                 <a:cs typeface="Times New Roman" panose="02020603050405020304" pitchFamily="18" charset="0"/>
               </a:rPr>
               <a:t>repositório GITHUB</a:t>
             </a:r>
             <a:r>
-              <a:rPr lang="pt-BR" sz="3200" dirty="0">
+              <a:rPr lang="pt-BR" sz="2400" dirty="0">
                 <a:latin typeface="Times New Roman" panose="02020603050405020304" pitchFamily="18" charset="0"/>
                 <a:cs typeface="Times New Roman" panose="02020603050405020304" pitchFamily="18" charset="0"/>
               </a:rPr>
@@ -5436,29 +5525,38 @@
             <a:pPr marL="0" indent="0" algn="just">
               <a:buNone/>
             </a:pPr>
-            <a:r>
-              <a:rPr lang="pt-BR" sz="3200" dirty="0">
+            <a:endParaRPr lang="pt-BR" sz="2400" dirty="0">
+              <a:latin typeface="Times New Roman" panose="02020603050405020304" pitchFamily="18" charset="0"/>
+              <a:cs typeface="Times New Roman" panose="02020603050405020304" pitchFamily="18" charset="0"/>
+            </a:endParaRPr>
+          </a:p>
+          <a:p>
+            <a:pPr marL="0" indent="0" algn="just">
+              <a:buNone/>
+            </a:pPr>
+            <a:r>
+              <a:rPr lang="pt-BR" sz="2400" dirty="0">
                 <a:latin typeface="Times New Roman" panose="02020603050405020304" pitchFamily="18" charset="0"/>
                 <a:cs typeface="Times New Roman" panose="02020603050405020304" pitchFamily="18" charset="0"/>
               </a:rPr>
               <a:t>4. </a:t>
             </a:r>
             <a:r>
-              <a:rPr lang="pt-BR" sz="3200" b="1" dirty="0">
+              <a:rPr lang="pt-BR" sz="2400" b="1" dirty="0">
                 <a:latin typeface="Times New Roman" panose="02020603050405020304" pitchFamily="18" charset="0"/>
                 <a:cs typeface="Times New Roman" panose="02020603050405020304" pitchFamily="18" charset="0"/>
               </a:rPr>
               <a:t>Criar</a:t>
             </a:r>
             <a:r>
-              <a:rPr lang="pt-BR" sz="3200" dirty="0">
+              <a:rPr lang="pt-BR" sz="2400" dirty="0">
                 <a:latin typeface="Times New Roman" panose="02020603050405020304" pitchFamily="18" charset="0"/>
                 <a:cs typeface="Times New Roman" panose="02020603050405020304" pitchFamily="18" charset="0"/>
               </a:rPr>
               <a:t> um </a:t>
             </a:r>
             <a:r>
-              <a:rPr lang="pt-BR" sz="3200" b="1" dirty="0">
+              <a:rPr lang="pt-BR" sz="2400" b="1" dirty="0">
                 <a:solidFill>
                   <a:srgbClr val="FF0000"/>
                 </a:solidFill>
@@ -5468,14 +5566,14 @@
               <a:t>projeto no GITHUB</a:t>
             </a:r>
             <a:r>
-              <a:rPr lang="pt-BR" sz="3200" dirty="0">
+              <a:rPr lang="pt-BR" sz="2400" dirty="0">
                 <a:latin typeface="Times New Roman" panose="02020603050405020304" pitchFamily="18" charset="0"/>
                 <a:cs typeface="Times New Roman" panose="02020603050405020304" pitchFamily="18" charset="0"/>
               </a:rPr>
               <a:t> na opção </a:t>
             </a:r>
             <a:r>
-              <a:rPr lang="pt-BR" sz="3200" b="1" dirty="0">
+              <a:rPr lang="pt-BR" sz="2400" b="1" dirty="0">
                 <a:solidFill>
                   <a:srgbClr val="FF0000"/>
                 </a:solidFill>
@@ -5485,27 +5583,27 @@
               <a:t>NEW</a:t>
             </a:r>
             <a:r>
-              <a:rPr lang="pt-BR" sz="3200" dirty="0">
+              <a:rPr lang="pt-BR" sz="2400" dirty="0">
                 <a:latin typeface="Times New Roman" panose="02020603050405020304" pitchFamily="18" charset="0"/>
                 <a:cs typeface="Times New Roman" panose="02020603050405020304" pitchFamily="18" charset="0"/>
               </a:rPr>
               <a:t> (</a:t>
             </a:r>
             <a:r>
-              <a:rPr lang="pt-BR" sz="3200" b="1" dirty="0">
+              <a:rPr lang="pt-BR" sz="2400" b="1" dirty="0">
                 <a:latin typeface="Times New Roman" panose="02020603050405020304" pitchFamily="18" charset="0"/>
                 <a:cs typeface="Times New Roman" panose="02020603050405020304" pitchFamily="18" charset="0"/>
               </a:rPr>
               <a:t>Definir o nome do seu projeto</a:t>
             </a:r>
             <a:r>
-              <a:rPr lang="pt-BR" sz="3200" dirty="0">
+              <a:rPr lang="pt-BR" sz="2400" dirty="0">
                 <a:latin typeface="Times New Roman" panose="02020603050405020304" pitchFamily="18" charset="0"/>
                 <a:cs typeface="Times New Roman" panose="02020603050405020304" pitchFamily="18" charset="0"/>
               </a:rPr>
               <a:t>)</a:t>
             </a:r>
-            <a:endParaRPr lang="pt-BR" sz="3200" b="1" dirty="0">
+            <a:endParaRPr lang="pt-BR" sz="2400" b="1" dirty="0">
               <a:latin typeface="Times New Roman" panose="02020603050405020304" pitchFamily="18" charset="0"/>
               <a:cs typeface="Times New Roman" panose="02020603050405020304" pitchFamily="18" charset="0"/>
             </a:endParaRPr>
@@ -5989,27 +6087,7 @@
                 <a:latin typeface="Times New Roman" panose="02020603050405020304" pitchFamily="18" charset="0"/>
                 <a:cs typeface="Times New Roman" panose="02020603050405020304" pitchFamily="18" charset="0"/>
               </a:rPr>
-              <a:t> </a:t>
-            </a:r>
-            <a:r>
-              <a:rPr lang="pt-BR" sz="2000" b="1">
-                <a:solidFill>
-                  <a:srgbClr val="0070C0"/>
-                </a:solidFill>
-                <a:latin typeface="Times New Roman" panose="02020603050405020304" pitchFamily="18" charset="0"/>
-                <a:cs typeface="Times New Roman" panose="02020603050405020304" pitchFamily="18" charset="0"/>
-              </a:rPr>
-              <a:t>ou master</a:t>
-            </a:r>
-            <a:r>
-              <a:rPr lang="pt-BR" sz="2000" b="1" dirty="0">
-                <a:solidFill>
-                  <a:srgbClr val="0070C0"/>
-                </a:solidFill>
-                <a:latin typeface="Times New Roman" panose="02020603050405020304" pitchFamily="18" charset="0"/>
-                <a:cs typeface="Times New Roman" panose="02020603050405020304" pitchFamily="18" charset="0"/>
-              </a:rPr>
-              <a:t>, </a:t>
+              <a:t> ou master, </a:t>
             </a:r>
             <a:r>
               <a:rPr lang="pt-BR" sz="2000" dirty="0">
@@ -6209,35 +6287,35 @@
               <a:buNone/>
             </a:pPr>
             <a:r>
-              <a:rPr lang="pt-BR" sz="3200" dirty="0">
+              <a:rPr lang="pt-BR" sz="2400" dirty="0">
                 <a:latin typeface="Times New Roman" panose="02020603050405020304" pitchFamily="18" charset="0"/>
                 <a:cs typeface="Times New Roman" panose="02020603050405020304" pitchFamily="18" charset="0"/>
               </a:rPr>
               <a:t>5. </a:t>
             </a:r>
             <a:r>
-              <a:rPr lang="pt-BR" sz="3200" b="1" dirty="0">
+              <a:rPr lang="pt-BR" sz="2400" b="1" dirty="0">
                 <a:latin typeface="Times New Roman" panose="02020603050405020304" pitchFamily="18" charset="0"/>
                 <a:cs typeface="Times New Roman" panose="02020603050405020304" pitchFamily="18" charset="0"/>
               </a:rPr>
               <a:t>Criar</a:t>
             </a:r>
             <a:r>
-              <a:rPr lang="pt-BR" sz="3200" dirty="0">
+              <a:rPr lang="pt-BR" sz="2400" dirty="0">
                 <a:latin typeface="Times New Roman" panose="02020603050405020304" pitchFamily="18" charset="0"/>
                 <a:cs typeface="Times New Roman" panose="02020603050405020304" pitchFamily="18" charset="0"/>
               </a:rPr>
               <a:t> uma </a:t>
             </a:r>
             <a:r>
-              <a:rPr lang="pt-BR" sz="3200" b="1" dirty="0">
+              <a:rPr lang="pt-BR" sz="2400" b="1" dirty="0">
                 <a:latin typeface="Times New Roman" panose="02020603050405020304" pitchFamily="18" charset="0"/>
                 <a:cs typeface="Times New Roman" panose="02020603050405020304" pitchFamily="18" charset="0"/>
               </a:rPr>
               <a:t>pasta no Windows</a:t>
             </a:r>
             <a:r>
-              <a:rPr lang="pt-BR" sz="3200" dirty="0">
+              <a:rPr lang="pt-BR" sz="2400" dirty="0">
                 <a:latin typeface="Times New Roman" panose="02020603050405020304" pitchFamily="18" charset="0"/>
                 <a:cs typeface="Times New Roman" panose="02020603050405020304" pitchFamily="18" charset="0"/>
               </a:rPr>
@@ -6249,14 +6327,14 @@
               <a:buNone/>
             </a:pPr>
             <a:r>
-              <a:rPr lang="pt-BR" sz="3200" dirty="0">
+              <a:rPr lang="pt-BR" sz="2400" dirty="0">
                 <a:latin typeface="Times New Roman" panose="02020603050405020304" pitchFamily="18" charset="0"/>
                 <a:cs typeface="Times New Roman" panose="02020603050405020304" pitchFamily="18" charset="0"/>
               </a:rPr>
               <a:t>    (</a:t>
             </a:r>
             <a:r>
-              <a:rPr lang="pt-BR" sz="3200" b="1" dirty="0">
+              <a:rPr lang="pt-BR" sz="2400" b="1" dirty="0">
                 <a:solidFill>
                   <a:srgbClr val="FF0000"/>
                 </a:solidFill>
@@ -6266,7 +6344,7 @@
               <a:t>sugestão pasta: </a:t>
             </a:r>
             <a:r>
-              <a:rPr lang="pt-BR" sz="3200" b="1" dirty="0" err="1">
+              <a:rPr lang="pt-BR" sz="2400" b="1" dirty="0" err="1">
                 <a:solidFill>
                   <a:srgbClr val="FF0000"/>
                 </a:solidFill>
@@ -6276,7 +6354,7 @@
               <a:t>CursoPython</a:t>
             </a:r>
             <a:r>
-              <a:rPr lang="pt-BR" sz="3200" dirty="0">
+              <a:rPr lang="pt-BR" sz="2400" dirty="0">
                 <a:latin typeface="Times New Roman" panose="02020603050405020304" pitchFamily="18" charset="0"/>
                 <a:cs typeface="Times New Roman" panose="02020603050405020304" pitchFamily="18" charset="0"/>
               </a:rPr>
@@ -6288,28 +6366,28 @@
               <a:buNone/>
             </a:pPr>
             <a:r>
-              <a:rPr lang="pt-BR" sz="3200" dirty="0">
+              <a:rPr lang="pt-BR" sz="2400" dirty="0">
                 <a:latin typeface="Times New Roman" panose="02020603050405020304" pitchFamily="18" charset="0"/>
                 <a:cs typeface="Times New Roman" panose="02020603050405020304" pitchFamily="18" charset="0"/>
               </a:rPr>
               <a:t>6. Entrar no </a:t>
             </a:r>
             <a:r>
-              <a:rPr lang="pt-BR" sz="3200" b="1" dirty="0">
+              <a:rPr lang="pt-BR" sz="2400" b="1" dirty="0">
                 <a:latin typeface="Times New Roman" panose="02020603050405020304" pitchFamily="18" charset="0"/>
                 <a:cs typeface="Times New Roman" panose="02020603050405020304" pitchFamily="18" charset="0"/>
               </a:rPr>
               <a:t>modo </a:t>
             </a:r>
             <a:r>
-              <a:rPr lang="pt-BR" sz="3200" b="1" dirty="0" err="1">
+              <a:rPr lang="pt-BR" sz="2400" b="1" dirty="0" err="1">
                 <a:latin typeface="Times New Roman" panose="02020603050405020304" pitchFamily="18" charset="0"/>
                 <a:cs typeface="Times New Roman" panose="02020603050405020304" pitchFamily="18" charset="0"/>
               </a:rPr>
               <a:t>shell</a:t>
             </a:r>
             <a:r>
-              <a:rPr lang="pt-BR" sz="3200" dirty="0">
+              <a:rPr lang="pt-BR" sz="2400" dirty="0">
                 <a:latin typeface="Times New Roman" panose="02020603050405020304" pitchFamily="18" charset="0"/>
                 <a:cs typeface="Times New Roman" panose="02020603050405020304" pitchFamily="18" charset="0"/>
               </a:rPr>
@@ -6321,14 +6399,14 @@
               <a:buNone/>
             </a:pPr>
             <a:r>
-              <a:rPr lang="pt-BR" sz="3200" dirty="0">
+              <a:rPr lang="pt-BR" sz="2400" dirty="0">
                 <a:latin typeface="Times New Roman" panose="02020603050405020304" pitchFamily="18" charset="0"/>
                 <a:cs typeface="Times New Roman" panose="02020603050405020304" pitchFamily="18" charset="0"/>
               </a:rPr>
               <a:t>   (botão direito do mouse </a:t>
             </a:r>
             <a:r>
-              <a:rPr lang="pt-BR" sz="3200" b="1" dirty="0" err="1">
+              <a:rPr lang="pt-BR" sz="2400" b="1" dirty="0" err="1">
                 <a:solidFill>
                   <a:srgbClr val="FF0000"/>
                 </a:solidFill>
@@ -6338,7 +6416,7 @@
               <a:t>git</a:t>
             </a:r>
             <a:r>
-              <a:rPr lang="pt-BR" sz="3200" b="1" dirty="0">
+              <a:rPr lang="pt-BR" sz="2400" b="1" dirty="0">
                 <a:solidFill>
                   <a:srgbClr val="FF0000"/>
                 </a:solidFill>
@@ -6348,7 +6426,7 @@
               <a:t> </a:t>
             </a:r>
             <a:r>
-              <a:rPr lang="pt-BR" sz="3200" b="1" dirty="0" err="1">
+              <a:rPr lang="pt-BR" sz="2400" b="1" dirty="0" err="1">
                 <a:solidFill>
                   <a:srgbClr val="FF0000"/>
                 </a:solidFill>
@@ -6358,7 +6436,7 @@
               <a:t>bash</a:t>
             </a:r>
             <a:r>
-              <a:rPr lang="pt-BR" sz="3200" b="1" dirty="0">
+              <a:rPr lang="pt-BR" sz="2400" b="1" dirty="0">
                 <a:solidFill>
                   <a:srgbClr val="FF0000"/>
                 </a:solidFill>
@@ -6368,7 +6446,7 @@
               <a:t> </a:t>
             </a:r>
             <a:r>
-              <a:rPr lang="pt-BR" sz="3200" b="1" dirty="0" err="1">
+              <a:rPr lang="pt-BR" sz="2400" b="1" dirty="0" err="1">
                 <a:solidFill>
                   <a:srgbClr val="FF0000"/>
                 </a:solidFill>
@@ -6378,7 +6456,7 @@
               <a:t>here</a:t>
             </a:r>
             <a:r>
-              <a:rPr lang="pt-BR" sz="3200" dirty="0">
+              <a:rPr lang="pt-BR" sz="2400" dirty="0">
                 <a:latin typeface="Times New Roman" panose="02020603050405020304" pitchFamily="18" charset="0"/>
                 <a:cs typeface="Times New Roman" panose="02020603050405020304" pitchFamily="18" charset="0"/>
               </a:rPr>
@@ -6390,14 +6468,14 @@
               <a:buNone/>
             </a:pPr>
             <a:r>
-              <a:rPr lang="pt-BR" sz="3200" dirty="0">
+              <a:rPr lang="pt-BR" sz="2400" dirty="0">
                 <a:latin typeface="Times New Roman" panose="02020603050405020304" pitchFamily="18" charset="0"/>
                 <a:cs typeface="Times New Roman" panose="02020603050405020304" pitchFamily="18" charset="0"/>
               </a:rPr>
               <a:t>7. Confirmar se está dentro da </a:t>
             </a:r>
             <a:r>
-              <a:rPr lang="pt-BR" sz="3200" b="1" dirty="0">
+              <a:rPr lang="pt-BR" sz="2400" b="1" dirty="0">
                 <a:latin typeface="Times New Roman" panose="02020603050405020304" pitchFamily="18" charset="0"/>
                 <a:cs typeface="Times New Roman" panose="02020603050405020304" pitchFamily="18" charset="0"/>
               </a:rPr>
@@ -6409,21 +6487,21 @@
               <a:buNone/>
             </a:pPr>
             <a:r>
-              <a:rPr lang="pt-BR" sz="3200" b="1" dirty="0">
+              <a:rPr lang="pt-BR" sz="2400" b="1" dirty="0">
                 <a:latin typeface="Times New Roman" panose="02020603050405020304" pitchFamily="18" charset="0"/>
                 <a:cs typeface="Times New Roman" panose="02020603050405020304" pitchFamily="18" charset="0"/>
               </a:rPr>
               <a:t>    (</a:t>
             </a:r>
             <a:r>
-              <a:rPr lang="pt-BR" sz="3200" b="1" dirty="0" err="1">
+              <a:rPr lang="pt-BR" sz="2400" b="1" dirty="0" err="1">
                 <a:latin typeface="Times New Roman" panose="02020603050405020304" pitchFamily="18" charset="0"/>
                 <a:cs typeface="Times New Roman" panose="02020603050405020304" pitchFamily="18" charset="0"/>
               </a:rPr>
               <a:t>CursoPython</a:t>
             </a:r>
             <a:r>
-              <a:rPr lang="pt-BR" sz="3200" b="1" dirty="0">
+              <a:rPr lang="pt-BR" sz="2400" b="1" dirty="0">
                 <a:latin typeface="Times New Roman" panose="02020603050405020304" pitchFamily="18" charset="0"/>
                 <a:cs typeface="Times New Roman" panose="02020603050405020304" pitchFamily="18" charset="0"/>
               </a:rPr>
@@ -6544,42 +6622,42 @@
               <a:buNone/>
             </a:pPr>
             <a:r>
-              <a:rPr lang="pt-BR" dirty="0">
+              <a:rPr lang="pt-BR" sz="2400" dirty="0">
                 <a:latin typeface="Times New Roman" panose="02020603050405020304" pitchFamily="18" charset="0"/>
                 <a:cs typeface="Times New Roman" panose="02020603050405020304" pitchFamily="18" charset="0"/>
               </a:rPr>
               <a:t>8. </a:t>
             </a:r>
             <a:r>
-              <a:rPr lang="pt-BR" b="1" dirty="0" err="1">
+              <a:rPr lang="pt-BR" sz="2400" b="1" dirty="0" err="1">
                 <a:latin typeface="Times New Roman" panose="02020603050405020304" pitchFamily="18" charset="0"/>
                 <a:cs typeface="Times New Roman" panose="02020603050405020304" pitchFamily="18" charset="0"/>
               </a:rPr>
               <a:t>git</a:t>
             </a:r>
             <a:r>
-              <a:rPr lang="pt-BR" b="1" dirty="0">
+              <a:rPr lang="pt-BR" sz="2400" b="1" dirty="0">
                 <a:latin typeface="Times New Roman" panose="02020603050405020304" pitchFamily="18" charset="0"/>
                 <a:cs typeface="Times New Roman" panose="02020603050405020304" pitchFamily="18" charset="0"/>
               </a:rPr>
               <a:t> </a:t>
             </a:r>
             <a:r>
-              <a:rPr lang="pt-BR" b="1" dirty="0" err="1">
+              <a:rPr lang="pt-BR" sz="2400" b="1" dirty="0" err="1">
                 <a:latin typeface="Times New Roman" panose="02020603050405020304" pitchFamily="18" charset="0"/>
                 <a:cs typeface="Times New Roman" panose="02020603050405020304" pitchFamily="18" charset="0"/>
               </a:rPr>
               <a:t>config</a:t>
             </a:r>
             <a:r>
-              <a:rPr lang="pt-BR" b="1" dirty="0">
+              <a:rPr lang="pt-BR" sz="2400" b="1" dirty="0">
                 <a:latin typeface="Times New Roman" panose="02020603050405020304" pitchFamily="18" charset="0"/>
                 <a:cs typeface="Times New Roman" panose="02020603050405020304" pitchFamily="18" charset="0"/>
               </a:rPr>
               <a:t> --global user.name “</a:t>
             </a:r>
             <a:r>
-              <a:rPr lang="pt-BR" b="1" dirty="0">
+              <a:rPr lang="pt-BR" sz="2400" b="1" dirty="0">
                 <a:solidFill>
                   <a:srgbClr val="FF0000"/>
                 </a:solidFill>
@@ -6589,13 +6667,13 @@
               <a:t>seu nome</a:t>
             </a:r>
             <a:r>
-              <a:rPr lang="pt-BR" b="1" dirty="0">
+              <a:rPr lang="pt-BR" sz="2400" b="1" dirty="0">
                 <a:latin typeface="Times New Roman" panose="02020603050405020304" pitchFamily="18" charset="0"/>
                 <a:cs typeface="Times New Roman" panose="02020603050405020304" pitchFamily="18" charset="0"/>
               </a:rPr>
               <a:t>”</a:t>
             </a:r>
-            <a:endParaRPr lang="pt-BR" dirty="0">
+            <a:endParaRPr lang="pt-BR" sz="2400" dirty="0">
               <a:latin typeface="Times New Roman" panose="02020603050405020304" pitchFamily="18" charset="0"/>
               <a:cs typeface="Times New Roman" panose="02020603050405020304" pitchFamily="18" charset="0"/>
             </a:endParaRPr>
@@ -6604,7 +6682,7 @@
             <a:pPr marL="0" indent="0" algn="just">
               <a:buNone/>
             </a:pPr>
-            <a:endParaRPr lang="pt-BR" dirty="0">
+            <a:endParaRPr lang="pt-BR" sz="2400" dirty="0">
               <a:latin typeface="Times New Roman" panose="02020603050405020304" pitchFamily="18" charset="0"/>
               <a:cs typeface="Times New Roman" panose="02020603050405020304" pitchFamily="18" charset="0"/>
             </a:endParaRPr>
@@ -6614,56 +6692,56 @@
               <a:buNone/>
             </a:pPr>
             <a:r>
-              <a:rPr lang="pt-BR" dirty="0">
+              <a:rPr lang="pt-BR" sz="2400" dirty="0">
                 <a:latin typeface="Times New Roman" panose="02020603050405020304" pitchFamily="18" charset="0"/>
                 <a:cs typeface="Times New Roman" panose="02020603050405020304" pitchFamily="18" charset="0"/>
               </a:rPr>
               <a:t>9. </a:t>
             </a:r>
             <a:r>
-              <a:rPr lang="pt-BR" b="1" dirty="0" err="1">
+              <a:rPr lang="pt-BR" sz="2400" b="1" dirty="0" err="1">
                 <a:latin typeface="Times New Roman" panose="02020603050405020304" pitchFamily="18" charset="0"/>
                 <a:cs typeface="Times New Roman" panose="02020603050405020304" pitchFamily="18" charset="0"/>
               </a:rPr>
               <a:t>git</a:t>
             </a:r>
             <a:r>
-              <a:rPr lang="pt-BR" b="1" dirty="0">
+              <a:rPr lang="pt-BR" sz="2400" b="1" dirty="0">
                 <a:latin typeface="Times New Roman" panose="02020603050405020304" pitchFamily="18" charset="0"/>
                 <a:cs typeface="Times New Roman" panose="02020603050405020304" pitchFamily="18" charset="0"/>
               </a:rPr>
               <a:t> </a:t>
             </a:r>
             <a:r>
-              <a:rPr lang="pt-BR" b="1" dirty="0" err="1">
+              <a:rPr lang="pt-BR" sz="2400" b="1" dirty="0" err="1">
                 <a:latin typeface="Times New Roman" panose="02020603050405020304" pitchFamily="18" charset="0"/>
                 <a:cs typeface="Times New Roman" panose="02020603050405020304" pitchFamily="18" charset="0"/>
               </a:rPr>
               <a:t>config</a:t>
             </a:r>
             <a:r>
-              <a:rPr lang="pt-BR" b="1" dirty="0">
+              <a:rPr lang="pt-BR" sz="2400" b="1" dirty="0">
                 <a:latin typeface="Times New Roman" panose="02020603050405020304" pitchFamily="18" charset="0"/>
                 <a:cs typeface="Times New Roman" panose="02020603050405020304" pitchFamily="18" charset="0"/>
               </a:rPr>
               <a:t> --global </a:t>
             </a:r>
             <a:r>
-              <a:rPr lang="pt-BR" b="1" dirty="0" err="1">
+              <a:rPr lang="pt-BR" sz="2400" b="1" dirty="0" err="1">
                 <a:latin typeface="Times New Roman" panose="02020603050405020304" pitchFamily="18" charset="0"/>
                 <a:cs typeface="Times New Roman" panose="02020603050405020304" pitchFamily="18" charset="0"/>
               </a:rPr>
               <a:t>user.email</a:t>
             </a:r>
             <a:r>
-              <a:rPr lang="pt-BR" b="1" dirty="0">
+              <a:rPr lang="pt-BR" sz="2400" b="1" dirty="0">
                 <a:latin typeface="Times New Roman" panose="02020603050405020304" pitchFamily="18" charset="0"/>
                 <a:cs typeface="Times New Roman" panose="02020603050405020304" pitchFamily="18" charset="0"/>
               </a:rPr>
               <a:t> “</a:t>
             </a:r>
             <a:r>
-              <a:rPr lang="pt-BR" b="1" dirty="0">
+              <a:rPr lang="pt-BR" sz="2400" b="1" dirty="0">
                 <a:solidFill>
                   <a:srgbClr val="FF0000"/>
                 </a:solidFill>
@@ -6673,7 +6751,7 @@
               <a:t>seu </a:t>
             </a:r>
             <a:r>
-              <a:rPr lang="pt-BR" b="1" dirty="0" err="1">
+              <a:rPr lang="pt-BR" sz="2400" b="1" dirty="0" err="1">
                 <a:solidFill>
                   <a:srgbClr val="FF0000"/>
                 </a:solidFill>
@@ -6683,7 +6761,7 @@
               <a:t>email</a:t>
             </a:r>
             <a:r>
-              <a:rPr lang="pt-BR" b="1" dirty="0">
+              <a:rPr lang="pt-BR" sz="2400" b="1" dirty="0">
                 <a:latin typeface="Times New Roman" panose="02020603050405020304" pitchFamily="18" charset="0"/>
                 <a:cs typeface="Times New Roman" panose="02020603050405020304" pitchFamily="18" charset="0"/>
               </a:rPr>
@@ -6694,7 +6772,7 @@
             <a:pPr marL="0" indent="0" algn="just">
               <a:buNone/>
             </a:pPr>
-            <a:endParaRPr lang="pt-BR" dirty="0">
+            <a:endParaRPr lang="pt-BR" sz="2400" dirty="0">
               <a:latin typeface="Times New Roman" panose="02020603050405020304" pitchFamily="18" charset="0"/>
               <a:cs typeface="Times New Roman" panose="02020603050405020304" pitchFamily="18" charset="0"/>
             </a:endParaRPr>
@@ -6704,48 +6782,48 @@
               <a:buNone/>
             </a:pPr>
             <a:r>
-              <a:rPr lang="pt-BR" dirty="0">
+              <a:rPr lang="pt-BR" sz="2400" dirty="0">
                 <a:latin typeface="Times New Roman" panose="02020603050405020304" pitchFamily="18" charset="0"/>
                 <a:cs typeface="Times New Roman" panose="02020603050405020304" pitchFamily="18" charset="0"/>
               </a:rPr>
               <a:t>10. </a:t>
             </a:r>
             <a:r>
-              <a:rPr lang="pt-BR" b="1" dirty="0" err="1">
+              <a:rPr lang="pt-BR" sz="2400" b="1" dirty="0" err="1">
                 <a:latin typeface="Times New Roman" panose="02020603050405020304" pitchFamily="18" charset="0"/>
                 <a:cs typeface="Times New Roman" panose="02020603050405020304" pitchFamily="18" charset="0"/>
               </a:rPr>
               <a:t>git</a:t>
             </a:r>
             <a:r>
-              <a:rPr lang="pt-BR" b="1" dirty="0">
+              <a:rPr lang="pt-BR" sz="2400" b="1" dirty="0">
                 <a:latin typeface="Times New Roman" panose="02020603050405020304" pitchFamily="18" charset="0"/>
                 <a:cs typeface="Times New Roman" panose="02020603050405020304" pitchFamily="18" charset="0"/>
               </a:rPr>
               <a:t> </a:t>
             </a:r>
             <a:r>
-              <a:rPr lang="pt-BR" b="1" dirty="0" err="1">
+              <a:rPr lang="pt-BR" sz="2400" b="1" dirty="0" err="1">
                 <a:latin typeface="Times New Roman" panose="02020603050405020304" pitchFamily="18" charset="0"/>
                 <a:cs typeface="Times New Roman" panose="02020603050405020304" pitchFamily="18" charset="0"/>
               </a:rPr>
               <a:t>config</a:t>
             </a:r>
             <a:r>
-              <a:rPr lang="pt-BR" b="1" dirty="0">
+              <a:rPr lang="pt-BR" sz="2400" b="1" dirty="0">
                 <a:latin typeface="Times New Roman" panose="02020603050405020304" pitchFamily="18" charset="0"/>
                 <a:cs typeface="Times New Roman" panose="02020603050405020304" pitchFamily="18" charset="0"/>
               </a:rPr>
               <a:t> –</a:t>
             </a:r>
             <a:r>
-              <a:rPr lang="pt-BR" b="1" dirty="0" err="1">
+              <a:rPr lang="pt-BR" sz="2400" b="1" dirty="0" err="1">
                 <a:latin typeface="Times New Roman" panose="02020603050405020304" pitchFamily="18" charset="0"/>
                 <a:cs typeface="Times New Roman" panose="02020603050405020304" pitchFamily="18" charset="0"/>
               </a:rPr>
               <a:t>list</a:t>
             </a:r>
-            <a:endParaRPr lang="pt-BR" b="1" dirty="0">
+            <a:endParaRPr lang="pt-BR" sz="2400" b="1" dirty="0">
               <a:latin typeface="Times New Roman" panose="02020603050405020304" pitchFamily="18" charset="0"/>
               <a:cs typeface="Times New Roman" panose="02020603050405020304" pitchFamily="18" charset="0"/>
             </a:endParaRPr>
@@ -6754,7 +6832,7 @@
             <a:pPr marL="0" indent="0" algn="just">
               <a:buNone/>
             </a:pPr>
-            <a:endParaRPr lang="pt-BR" b="1" dirty="0">
+            <a:endParaRPr lang="pt-BR" sz="2400" b="1" dirty="0">
               <a:latin typeface="Times New Roman" panose="02020603050405020304" pitchFamily="18" charset="0"/>
               <a:cs typeface="Times New Roman" panose="02020603050405020304" pitchFamily="18" charset="0"/>
             </a:endParaRPr>
@@ -6764,42 +6842,42 @@
               <a:buNone/>
             </a:pPr>
             <a:r>
-              <a:rPr lang="pt-BR" dirty="0">
+              <a:rPr lang="pt-BR" sz="2400" dirty="0">
                 <a:latin typeface="Times New Roman" panose="02020603050405020304" pitchFamily="18" charset="0"/>
                 <a:cs typeface="Times New Roman" panose="02020603050405020304" pitchFamily="18" charset="0"/>
               </a:rPr>
               <a:t>11. </a:t>
             </a:r>
             <a:r>
-              <a:rPr lang="pt-BR" b="1" dirty="0" err="1">
+              <a:rPr lang="pt-BR" sz="2400" b="1" dirty="0" err="1">
                 <a:latin typeface="Times New Roman" panose="02020603050405020304" pitchFamily="18" charset="0"/>
                 <a:cs typeface="Times New Roman" panose="02020603050405020304" pitchFamily="18" charset="0"/>
               </a:rPr>
               <a:t>git</a:t>
             </a:r>
             <a:r>
-              <a:rPr lang="pt-BR" b="1" dirty="0">
+              <a:rPr lang="pt-BR" sz="2400" b="1" dirty="0">
                 <a:latin typeface="Times New Roman" panose="02020603050405020304" pitchFamily="18" charset="0"/>
                 <a:cs typeface="Times New Roman" panose="02020603050405020304" pitchFamily="18" charset="0"/>
               </a:rPr>
               <a:t> </a:t>
             </a:r>
             <a:r>
-              <a:rPr lang="pt-BR" b="1" dirty="0" err="1">
+              <a:rPr lang="pt-BR" sz="2400" b="1" dirty="0" err="1">
                 <a:latin typeface="Times New Roman" panose="02020603050405020304" pitchFamily="18" charset="0"/>
                 <a:cs typeface="Times New Roman" panose="02020603050405020304" pitchFamily="18" charset="0"/>
               </a:rPr>
               <a:t>init</a:t>
             </a:r>
             <a:r>
-              <a:rPr lang="pt-BR" dirty="0">
+              <a:rPr lang="pt-BR" sz="2400" dirty="0">
                 <a:latin typeface="Times New Roman" panose="02020603050405020304" pitchFamily="18" charset="0"/>
                 <a:cs typeface="Times New Roman" panose="02020603050405020304" pitchFamily="18" charset="0"/>
               </a:rPr>
               <a:t> (Cria </a:t>
             </a:r>
             <a:r>
-              <a:rPr lang="pt-BR" b="1" dirty="0">
+              <a:rPr lang="pt-BR" sz="2400" b="1" dirty="0">
                 <a:solidFill>
                   <a:srgbClr val="FF0000"/>
                 </a:solidFill>
@@ -6809,7 +6887,7 @@
               <a:t>ponteiro</a:t>
             </a:r>
             <a:r>
-              <a:rPr lang="pt-BR" dirty="0">
+              <a:rPr lang="pt-BR" sz="2400" dirty="0">
                 <a:latin typeface="Times New Roman" panose="02020603050405020304" pitchFamily="18" charset="0"/>
                 <a:cs typeface="Times New Roman" panose="02020603050405020304" pitchFamily="18" charset="0"/>
               </a:rPr>
@@ -6930,21 +7008,21 @@
               <a:buNone/>
             </a:pPr>
             <a:r>
-              <a:rPr lang="pt-BR" dirty="0">
+              <a:rPr lang="pt-BR" sz="2400" dirty="0">
                 <a:latin typeface="Times New Roman" panose="02020603050405020304" pitchFamily="18" charset="0"/>
                 <a:cs typeface="Times New Roman" panose="02020603050405020304" pitchFamily="18" charset="0"/>
               </a:rPr>
               <a:t>12. </a:t>
             </a:r>
             <a:r>
-              <a:rPr lang="pt-BR" b="1" dirty="0" err="1">
+              <a:rPr lang="pt-BR" sz="2400" b="1" dirty="0" err="1">
                 <a:latin typeface="Times New Roman" panose="02020603050405020304" pitchFamily="18" charset="0"/>
                 <a:cs typeface="Times New Roman" panose="02020603050405020304" pitchFamily="18" charset="0"/>
               </a:rPr>
               <a:t>git</a:t>
             </a:r>
             <a:r>
-              <a:rPr lang="pt-BR" b="1" dirty="0">
+              <a:rPr lang="pt-BR" sz="2400" b="1" dirty="0">
                 <a:latin typeface="Times New Roman" panose="02020603050405020304" pitchFamily="18" charset="0"/>
                 <a:cs typeface="Times New Roman" panose="02020603050405020304" pitchFamily="18" charset="0"/>
               </a:rPr>
@@ -6955,7 +7033,7 @@
             <a:pPr marL="0" indent="0" algn="just">
               <a:buNone/>
             </a:pPr>
-            <a:endParaRPr lang="pt-BR" b="1" dirty="0">
+            <a:endParaRPr lang="pt-BR" sz="2400" b="1" dirty="0">
               <a:latin typeface="Times New Roman" panose="02020603050405020304" pitchFamily="18" charset="0"/>
               <a:cs typeface="Times New Roman" panose="02020603050405020304" pitchFamily="18" charset="0"/>
             </a:endParaRPr>
@@ -6965,35 +7043,35 @@
               <a:buNone/>
             </a:pPr>
             <a:r>
-              <a:rPr lang="pt-BR" dirty="0">
+              <a:rPr lang="pt-BR" sz="2400" dirty="0">
                 <a:latin typeface="Times New Roman" panose="02020603050405020304" pitchFamily="18" charset="0"/>
                 <a:cs typeface="Times New Roman" panose="02020603050405020304" pitchFamily="18" charset="0"/>
               </a:rPr>
               <a:t>13. </a:t>
             </a:r>
             <a:r>
-              <a:rPr lang="pt-BR" b="1" dirty="0" err="1">
+              <a:rPr lang="pt-BR" sz="2400" b="1" dirty="0" err="1">
                 <a:latin typeface="Times New Roman" panose="02020603050405020304" pitchFamily="18" charset="0"/>
                 <a:cs typeface="Times New Roman" panose="02020603050405020304" pitchFamily="18" charset="0"/>
               </a:rPr>
               <a:t>echo</a:t>
             </a:r>
             <a:r>
-              <a:rPr lang="pt-BR" b="1" dirty="0">
+              <a:rPr lang="pt-BR" sz="2400" b="1" dirty="0">
                 <a:latin typeface="Times New Roman" panose="02020603050405020304" pitchFamily="18" charset="0"/>
                 <a:cs typeface="Times New Roman" panose="02020603050405020304" pitchFamily="18" charset="0"/>
               </a:rPr>
               <a:t> "# </a:t>
             </a:r>
             <a:r>
-              <a:rPr lang="pt-BR" b="1" dirty="0" err="1">
+              <a:rPr lang="pt-BR" sz="2400" b="1" dirty="0" err="1">
                 <a:latin typeface="Times New Roman" panose="02020603050405020304" pitchFamily="18" charset="0"/>
                 <a:cs typeface="Times New Roman" panose="02020603050405020304" pitchFamily="18" charset="0"/>
               </a:rPr>
               <a:t>testePython</a:t>
             </a:r>
             <a:r>
-              <a:rPr lang="pt-BR" b="1" dirty="0">
+              <a:rPr lang="pt-BR" sz="2400" b="1" dirty="0">
                 <a:latin typeface="Times New Roman" panose="02020603050405020304" pitchFamily="18" charset="0"/>
                 <a:cs typeface="Times New Roman" panose="02020603050405020304" pitchFamily="18" charset="0"/>
               </a:rPr>
@@ -7004,7 +7082,7 @@
             <a:pPr marL="0" indent="0" algn="just">
               <a:buNone/>
             </a:pPr>
-            <a:endParaRPr lang="pt-BR" b="1" dirty="0">
+            <a:endParaRPr lang="pt-BR" sz="2400" b="1" dirty="0">
               <a:latin typeface="Times New Roman" panose="02020603050405020304" pitchFamily="18" charset="0"/>
               <a:cs typeface="Times New Roman" panose="02020603050405020304" pitchFamily="18" charset="0"/>
             </a:endParaRPr>
@@ -7014,42 +7092,42 @@
               <a:buNone/>
             </a:pPr>
             <a:r>
-              <a:rPr lang="pt-BR" dirty="0">
+              <a:rPr lang="pt-BR" sz="2400" dirty="0">
                 <a:latin typeface="Times New Roman" panose="02020603050405020304" pitchFamily="18" charset="0"/>
                 <a:cs typeface="Times New Roman" panose="02020603050405020304" pitchFamily="18" charset="0"/>
               </a:rPr>
               <a:t>14. </a:t>
             </a:r>
             <a:r>
-              <a:rPr lang="pt-BR" b="1" dirty="0" err="1">
+              <a:rPr lang="pt-BR" sz="2400" b="1" dirty="0" err="1">
                 <a:latin typeface="Times New Roman" panose="02020603050405020304" pitchFamily="18" charset="0"/>
                 <a:cs typeface="Times New Roman" panose="02020603050405020304" pitchFamily="18" charset="0"/>
               </a:rPr>
               <a:t>git</a:t>
             </a:r>
             <a:r>
-              <a:rPr lang="pt-BR" b="1" dirty="0">
+              <a:rPr lang="pt-BR" sz="2400" b="1" dirty="0">
                 <a:latin typeface="Times New Roman" panose="02020603050405020304" pitchFamily="18" charset="0"/>
                 <a:cs typeface="Times New Roman" panose="02020603050405020304" pitchFamily="18" charset="0"/>
               </a:rPr>
               <a:t> </a:t>
             </a:r>
             <a:r>
-              <a:rPr lang="pt-BR" b="1" dirty="0" err="1">
+              <a:rPr lang="pt-BR" sz="2400" b="1" dirty="0" err="1">
                 <a:latin typeface="Times New Roman" panose="02020603050405020304" pitchFamily="18" charset="0"/>
                 <a:cs typeface="Times New Roman" panose="02020603050405020304" pitchFamily="18" charset="0"/>
               </a:rPr>
               <a:t>add</a:t>
             </a:r>
             <a:r>
-              <a:rPr lang="pt-BR" b="1" dirty="0">
+              <a:rPr lang="pt-BR" sz="2400" b="1" dirty="0">
                 <a:latin typeface="Times New Roman" panose="02020603050405020304" pitchFamily="18" charset="0"/>
                 <a:cs typeface="Times New Roman" panose="02020603050405020304" pitchFamily="18" charset="0"/>
               </a:rPr>
               <a:t> .</a:t>
             </a:r>
             <a:r>
-              <a:rPr lang="pt-BR" dirty="0">
+              <a:rPr lang="pt-BR" sz="2400" dirty="0">
                 <a:latin typeface="Times New Roman" panose="02020603050405020304" pitchFamily="18" charset="0"/>
                 <a:cs typeface="Times New Roman" panose="02020603050405020304" pitchFamily="18" charset="0"/>
               </a:rPr>
@@ -7060,7 +7138,7 @@
             <a:pPr marL="0" indent="0" algn="just">
               <a:buNone/>
             </a:pPr>
-            <a:endParaRPr lang="pt-BR" dirty="0">
+            <a:endParaRPr lang="pt-BR" sz="2400" dirty="0">
               <a:latin typeface="Times New Roman" panose="02020603050405020304" pitchFamily="18" charset="0"/>
               <a:cs typeface="Times New Roman" panose="02020603050405020304" pitchFamily="18" charset="0"/>
             </a:endParaRPr>
@@ -7070,41 +7148,41 @@
               <a:buNone/>
             </a:pPr>
             <a:r>
-              <a:rPr lang="pt-BR" dirty="0">
+              <a:rPr lang="pt-BR" sz="2400" dirty="0">
                 <a:latin typeface="Times New Roman" panose="02020603050405020304" pitchFamily="18" charset="0"/>
                 <a:cs typeface="Times New Roman" panose="02020603050405020304" pitchFamily="18" charset="0"/>
               </a:rPr>
               <a:t>15. </a:t>
             </a:r>
             <a:r>
-              <a:rPr lang="pt-BR" b="1" dirty="0" err="1">
+              <a:rPr lang="pt-BR" sz="2400" b="1" dirty="0" err="1">
                 <a:latin typeface="Times New Roman" panose="02020603050405020304" pitchFamily="18" charset="0"/>
                 <a:cs typeface="Times New Roman" panose="02020603050405020304" pitchFamily="18" charset="0"/>
               </a:rPr>
               <a:t>git</a:t>
             </a:r>
             <a:r>
-              <a:rPr lang="pt-BR" b="1" dirty="0">
+              <a:rPr lang="pt-BR" sz="2400" b="1" dirty="0">
                 <a:latin typeface="Times New Roman" panose="02020603050405020304" pitchFamily="18" charset="0"/>
                 <a:cs typeface="Times New Roman" panose="02020603050405020304" pitchFamily="18" charset="0"/>
               </a:rPr>
               <a:t> </a:t>
             </a:r>
             <a:r>
-              <a:rPr lang="pt-BR" b="1" dirty="0" err="1">
+              <a:rPr lang="pt-BR" sz="2400" b="1" dirty="0" err="1">
                 <a:latin typeface="Times New Roman" panose="02020603050405020304" pitchFamily="18" charset="0"/>
                 <a:cs typeface="Times New Roman" panose="02020603050405020304" pitchFamily="18" charset="0"/>
               </a:rPr>
               <a:t>commit</a:t>
             </a:r>
             <a:r>
-              <a:rPr lang="pt-BR" b="1" dirty="0">
+              <a:rPr lang="pt-BR" sz="2400" b="1" dirty="0">
                 <a:latin typeface="Times New Roman" panose="02020603050405020304" pitchFamily="18" charset="0"/>
                 <a:cs typeface="Times New Roman" panose="02020603050405020304" pitchFamily="18" charset="0"/>
               </a:rPr>
               <a:t> -m "Disciplina Python"</a:t>
             </a:r>
-            <a:endParaRPr lang="pt-BR" b="1" dirty="0">
+            <a:endParaRPr lang="pt-BR" sz="2400" b="1" dirty="0">
               <a:solidFill>
                 <a:srgbClr val="FF0000"/>
               </a:solidFill>
@@ -7723,9 +7801,7 @@
           </a:xfrm>
         </p:spPr>
         <p:txBody>
-          <a:bodyPr>
-            <a:normAutofit/>
-          </a:bodyPr>
+          <a:bodyPr/>
           <a:lstStyle/>
           <a:p>
             <a:r>
@@ -7734,7 +7810,7 @@
                   <a:srgbClr val="0070C0"/>
                 </a:solidFill>
               </a:rPr>
-              <a:t>Leitura</a:t>
+              <a:t>Ambiente</a:t>
             </a:r>
             <a:r>
               <a:rPr lang="en-US" b="1" dirty="0">
@@ -7742,7 +7818,7 @@
                   <a:srgbClr val="0070C0"/>
                 </a:solidFill>
               </a:rPr>
-              <a:t> </a:t>
+              <a:t> DevOps - </a:t>
             </a:r>
             <a:r>
               <a:rPr lang="en-US" b="1" dirty="0" err="1">
@@ -7750,7 +7826,7 @@
                   <a:srgbClr val="0070C0"/>
                 </a:solidFill>
               </a:rPr>
-              <a:t>Específica</a:t>
+              <a:t>Configuração</a:t>
             </a:r>
             <a:endParaRPr lang="en-US" b="1" dirty="0">
               <a:solidFill>
@@ -7772,8 +7848,8 @@
         </p:nvSpPr>
         <p:spPr>
           <a:xfrm>
-            <a:off x="142865" y="1200151"/>
-            <a:ext cx="8865056" cy="3394472"/>
+            <a:off x="142865" y="974682"/>
+            <a:ext cx="8865056" cy="3962838"/>
           </a:xfrm>
         </p:spPr>
         <p:txBody>
@@ -7786,21 +7862,325 @@
               <a:buNone/>
             </a:pPr>
             <a:r>
-              <a:rPr lang="pt-BR" sz="1800" dirty="0">
-                <a:latin typeface="Times New Roman" panose="02020603050405020304" pitchFamily="18" charset="0"/>
-                <a:cs typeface="Times New Roman" panose="02020603050405020304" pitchFamily="18" charset="0"/>
-              </a:rPr>
-              <a:t>[1] SEBESTA, Robert W. Conceitos de Linguagens de Programação. 11. edição. Porto Alegre: Bookman, 2018., Capítulo 1 (Preliminares). Disponível em: </a:t>
-            </a:r>
-            <a:r>
-              <a:rPr lang="pt-BR" sz="1800" dirty="0">
-                <a:latin typeface="Times New Roman" panose="02020603050405020304" pitchFamily="18" charset="0"/>
-                <a:cs typeface="Times New Roman" panose="02020603050405020304" pitchFamily="18" charset="0"/>
-                <a:hlinkClick r:id="rId3"/>
-              </a:rPr>
-              <a:t>https://integrada.minhabiblioteca.com.br/#/books/9788582604694/</a:t>
-            </a:r>
-            <a:endParaRPr lang="pt-BR" sz="1800" dirty="0">
+              <a:rPr lang="pt-BR" sz="2000" b="1" dirty="0">
+                <a:latin typeface="Times New Roman" panose="02020603050405020304" pitchFamily="18" charset="0"/>
+                <a:cs typeface="Times New Roman" panose="02020603050405020304" pitchFamily="18" charset="0"/>
+              </a:rPr>
+              <a:t>IDE - </a:t>
+            </a:r>
+            <a:r>
+              <a:rPr lang="pt-BR" sz="2000" b="1" dirty="0" err="1">
+                <a:latin typeface="Times New Roman" panose="02020603050405020304" pitchFamily="18" charset="0"/>
+                <a:cs typeface="Times New Roman" panose="02020603050405020304" pitchFamily="18" charset="0"/>
+              </a:rPr>
+              <a:t>VSCode</a:t>
+            </a:r>
+            <a:r>
+              <a:rPr lang="pt-BR" sz="2000" dirty="0">
+                <a:latin typeface="Times New Roman" panose="02020603050405020304" pitchFamily="18" charset="0"/>
+                <a:cs typeface="Times New Roman" panose="02020603050405020304" pitchFamily="18" charset="0"/>
+              </a:rPr>
+              <a:t> – Download Versão ZIPADA (</a:t>
+            </a:r>
+            <a:r>
+              <a:rPr lang="pt-BR" sz="2000" b="1" dirty="0">
+                <a:solidFill>
+                  <a:srgbClr val="FF0000"/>
+                </a:solidFill>
+                <a:latin typeface="Times New Roman" panose="02020603050405020304" pitchFamily="18" charset="0"/>
+                <a:cs typeface="Times New Roman" panose="02020603050405020304" pitchFamily="18" charset="0"/>
+              </a:rPr>
+              <a:t>Descompactar</a:t>
+            </a:r>
+            <a:r>
+              <a:rPr lang="pt-BR" sz="2000" dirty="0">
+                <a:latin typeface="Times New Roman" panose="02020603050405020304" pitchFamily="18" charset="0"/>
+                <a:cs typeface="Times New Roman" panose="02020603050405020304" pitchFamily="18" charset="0"/>
+              </a:rPr>
+              <a:t>)</a:t>
+            </a:r>
+          </a:p>
+          <a:p>
+            <a:pPr marL="514350" indent="-514350" algn="just">
+              <a:buAutoNum type="arabicPeriod"/>
+            </a:pPr>
+            <a:r>
+              <a:rPr lang="pt-BR" sz="2000" dirty="0">
+                <a:latin typeface="Times New Roman" panose="02020603050405020304" pitchFamily="18" charset="0"/>
+                <a:cs typeface="Times New Roman" panose="02020603050405020304" pitchFamily="18" charset="0"/>
+              </a:rPr>
+              <a:t>Instalar as extensões: 	</a:t>
+            </a:r>
+            <a:r>
+              <a:rPr lang="pt-BR" sz="2000" b="1" dirty="0">
+                <a:solidFill>
+                  <a:srgbClr val="00B050"/>
+                </a:solidFill>
+                <a:latin typeface="Times New Roman" panose="02020603050405020304" pitchFamily="18" charset="0"/>
+                <a:cs typeface="Times New Roman" panose="02020603050405020304" pitchFamily="18" charset="0"/>
+              </a:rPr>
+              <a:t>color </a:t>
+            </a:r>
+            <a:r>
+              <a:rPr lang="pt-BR" sz="2000" b="1" dirty="0" err="1">
+                <a:solidFill>
+                  <a:srgbClr val="00B050"/>
+                </a:solidFill>
+                <a:latin typeface="Times New Roman" panose="02020603050405020304" pitchFamily="18" charset="0"/>
+                <a:cs typeface="Times New Roman" panose="02020603050405020304" pitchFamily="18" charset="0"/>
+              </a:rPr>
+              <a:t>Highlight</a:t>
+            </a:r>
+            <a:r>
+              <a:rPr lang="pt-BR" sz="2000" b="1" dirty="0">
+                <a:solidFill>
+                  <a:srgbClr val="FF0000"/>
+                </a:solidFill>
+                <a:latin typeface="Times New Roman" panose="02020603050405020304" pitchFamily="18" charset="0"/>
+                <a:cs typeface="Times New Roman" panose="02020603050405020304" pitchFamily="18" charset="0"/>
+              </a:rPr>
+              <a:t> (CSS), </a:t>
+            </a:r>
+            <a:r>
+              <a:rPr lang="pt-BR" sz="2000" b="1" dirty="0" err="1">
+                <a:solidFill>
+                  <a:schemeClr val="tx1"/>
+                </a:solidFill>
+                <a:latin typeface="Times New Roman" panose="02020603050405020304" pitchFamily="18" charset="0"/>
+                <a:cs typeface="Times New Roman" panose="02020603050405020304" pitchFamily="18" charset="0"/>
+              </a:rPr>
+              <a:t>ESLint</a:t>
+            </a:r>
+            <a:r>
+              <a:rPr lang="pt-BR" sz="2000" b="1" dirty="0">
+                <a:solidFill>
+                  <a:srgbClr val="FF0000"/>
+                </a:solidFill>
+                <a:latin typeface="Times New Roman" panose="02020603050405020304" pitchFamily="18" charset="0"/>
+                <a:cs typeface="Times New Roman" panose="02020603050405020304" pitchFamily="18" charset="0"/>
+              </a:rPr>
+              <a:t> (Java Script); </a:t>
+            </a:r>
+            <a:r>
+              <a:rPr lang="pt-BR" sz="2000" b="1" dirty="0">
+                <a:solidFill>
+                  <a:srgbClr val="7030A0"/>
+                </a:solidFill>
+                <a:latin typeface="Times New Roman" panose="02020603050405020304" pitchFamily="18" charset="0"/>
+                <a:cs typeface="Times New Roman" panose="02020603050405020304" pitchFamily="18" charset="0"/>
+              </a:rPr>
+              <a:t>JSX HTML</a:t>
+            </a:r>
+            <a:r>
+              <a:rPr lang="pt-BR" sz="2000" b="1" dirty="0">
+                <a:solidFill>
+                  <a:srgbClr val="FF0000"/>
+                </a:solidFill>
+                <a:latin typeface="Times New Roman" panose="02020603050405020304" pitchFamily="18" charset="0"/>
+                <a:cs typeface="Times New Roman" panose="02020603050405020304" pitchFamily="18" charset="0"/>
+              </a:rPr>
+              <a:t>; </a:t>
+            </a:r>
+            <a:r>
+              <a:rPr lang="pt-BR" sz="2000" b="1" dirty="0" err="1">
+                <a:solidFill>
+                  <a:srgbClr val="FF0000"/>
+                </a:solidFill>
+                <a:latin typeface="Times New Roman" panose="02020603050405020304" pitchFamily="18" charset="0"/>
+                <a:cs typeface="Times New Roman" panose="02020603050405020304" pitchFamily="18" charset="0"/>
+              </a:rPr>
+              <a:t>IntelliCode</a:t>
+            </a:r>
+            <a:r>
+              <a:rPr lang="pt-BR" sz="2000" b="1" dirty="0">
+                <a:solidFill>
+                  <a:srgbClr val="FF0000"/>
+                </a:solidFill>
+                <a:latin typeface="Times New Roman" panose="02020603050405020304" pitchFamily="18" charset="0"/>
+                <a:cs typeface="Times New Roman" panose="02020603050405020304" pitchFamily="18" charset="0"/>
+              </a:rPr>
+              <a:t> (Visual Studio </a:t>
+            </a:r>
+            <a:r>
+              <a:rPr lang="pt-BR" sz="2000" b="1" dirty="0" err="1">
+                <a:solidFill>
+                  <a:srgbClr val="FF0000"/>
+                </a:solidFill>
+                <a:latin typeface="Times New Roman" panose="02020603050405020304" pitchFamily="18" charset="0"/>
+                <a:cs typeface="Times New Roman" panose="02020603050405020304" pitchFamily="18" charset="0"/>
+              </a:rPr>
+              <a:t>IntelliCode</a:t>
+            </a:r>
+            <a:r>
+              <a:rPr lang="pt-BR" sz="2000" b="1" dirty="0">
+                <a:solidFill>
+                  <a:srgbClr val="FF0000"/>
+                </a:solidFill>
+                <a:latin typeface="Times New Roman" panose="02020603050405020304" pitchFamily="18" charset="0"/>
+                <a:cs typeface="Times New Roman" panose="02020603050405020304" pitchFamily="18" charset="0"/>
+              </a:rPr>
+              <a:t>); </a:t>
+            </a:r>
+            <a:r>
+              <a:rPr lang="pt-BR" sz="2000" b="1" dirty="0">
+                <a:solidFill>
+                  <a:srgbClr val="002060"/>
+                </a:solidFill>
+                <a:latin typeface="Times New Roman" panose="02020603050405020304" pitchFamily="18" charset="0"/>
+                <a:cs typeface="Times New Roman" panose="02020603050405020304" pitchFamily="18" charset="0"/>
+              </a:rPr>
+              <a:t>Python </a:t>
+            </a:r>
+            <a:r>
+              <a:rPr lang="pt-BR" sz="2000" b="1" dirty="0" err="1">
+                <a:solidFill>
+                  <a:srgbClr val="002060"/>
+                </a:solidFill>
+                <a:latin typeface="Times New Roman" panose="02020603050405020304" pitchFamily="18" charset="0"/>
+                <a:cs typeface="Times New Roman" panose="02020603050405020304" pitchFamily="18" charset="0"/>
+              </a:rPr>
+              <a:t>IntelliSense</a:t>
+            </a:r>
+            <a:r>
+              <a:rPr lang="pt-BR" sz="2000" b="1" dirty="0">
+                <a:solidFill>
+                  <a:srgbClr val="002060"/>
+                </a:solidFill>
+                <a:latin typeface="Times New Roman" panose="02020603050405020304" pitchFamily="18" charset="0"/>
+                <a:cs typeface="Times New Roman" panose="02020603050405020304" pitchFamily="18" charset="0"/>
+              </a:rPr>
+              <a:t>; Python </a:t>
+            </a:r>
+            <a:r>
+              <a:rPr lang="pt-BR" sz="2000" b="1" dirty="0" err="1">
+                <a:solidFill>
+                  <a:srgbClr val="002060"/>
+                </a:solidFill>
+                <a:latin typeface="Times New Roman" panose="02020603050405020304" pitchFamily="18" charset="0"/>
+                <a:cs typeface="Times New Roman" panose="02020603050405020304" pitchFamily="18" charset="0"/>
+              </a:rPr>
+              <a:t>Indent</a:t>
+            </a:r>
+            <a:r>
+              <a:rPr lang="pt-BR" sz="2000" b="1" dirty="0">
+                <a:solidFill>
+                  <a:srgbClr val="002060"/>
+                </a:solidFill>
+                <a:latin typeface="Times New Roman" panose="02020603050405020304" pitchFamily="18" charset="0"/>
+                <a:cs typeface="Times New Roman" panose="02020603050405020304" pitchFamily="18" charset="0"/>
+              </a:rPr>
+              <a:t>; </a:t>
+            </a:r>
+            <a:r>
+              <a:rPr lang="pt-BR" sz="2000" b="1" dirty="0" err="1">
+                <a:solidFill>
+                  <a:srgbClr val="FF0000"/>
+                </a:solidFill>
+                <a:latin typeface="Times New Roman" panose="02020603050405020304" pitchFamily="18" charset="0"/>
+                <a:cs typeface="Times New Roman" panose="02020603050405020304" pitchFamily="18" charset="0"/>
+              </a:rPr>
+              <a:t>Jupyter</a:t>
+            </a:r>
+            <a:r>
+              <a:rPr lang="pt-BR" sz="2000" b="1" dirty="0">
+                <a:solidFill>
+                  <a:srgbClr val="FF0000"/>
+                </a:solidFill>
+                <a:latin typeface="Times New Roman" panose="02020603050405020304" pitchFamily="18" charset="0"/>
+                <a:cs typeface="Times New Roman" panose="02020603050405020304" pitchFamily="18" charset="0"/>
+              </a:rPr>
+              <a:t> Notebook; </a:t>
+            </a:r>
+          </a:p>
+          <a:p>
+            <a:pPr marL="514350" indent="-514350" algn="just">
+              <a:buAutoNum type="arabicPeriod"/>
+            </a:pPr>
+            <a:r>
+              <a:rPr lang="pt-BR" sz="2000" b="1" dirty="0">
+                <a:solidFill>
+                  <a:schemeClr val="tx1"/>
+                </a:solidFill>
+                <a:latin typeface="Times New Roman" panose="02020603050405020304" pitchFamily="18" charset="0"/>
+                <a:cs typeface="Times New Roman" panose="02020603050405020304" pitchFamily="18" charset="0"/>
+              </a:rPr>
+              <a:t>Nota</a:t>
+            </a:r>
+            <a:r>
+              <a:rPr lang="pt-BR" sz="2000" b="1" dirty="0">
+                <a:solidFill>
+                  <a:srgbClr val="FF0000"/>
+                </a:solidFill>
+                <a:latin typeface="Times New Roman" panose="02020603050405020304" pitchFamily="18" charset="0"/>
+                <a:cs typeface="Times New Roman" panose="02020603050405020304" pitchFamily="18" charset="0"/>
+              </a:rPr>
+              <a:t>: </a:t>
+            </a:r>
+            <a:r>
+              <a:rPr lang="pt-BR" sz="2000" b="1" dirty="0">
+                <a:solidFill>
+                  <a:schemeClr val="accent6">
+                    <a:lumMod val="50000"/>
+                  </a:schemeClr>
+                </a:solidFill>
+                <a:latin typeface="Times New Roman" panose="02020603050405020304" pitchFamily="18" charset="0"/>
+                <a:cs typeface="Times New Roman" panose="02020603050405020304" pitchFamily="18" charset="0"/>
+              </a:rPr>
+              <a:t>Live server já instalado </a:t>
+            </a:r>
+            <a:r>
+              <a:rPr lang="pt-BR" sz="2000" b="1" dirty="0">
+                <a:solidFill>
+                  <a:srgbClr val="FF0000"/>
+                </a:solidFill>
+                <a:latin typeface="Times New Roman" panose="02020603050405020304" pitchFamily="18" charset="0"/>
+                <a:cs typeface="Times New Roman" panose="02020603050405020304" pitchFamily="18" charset="0"/>
+              </a:rPr>
+              <a:t>(servidor web)  e </a:t>
+            </a:r>
+            <a:r>
+              <a:rPr lang="pt-BR" sz="2000" b="1" dirty="0" err="1">
+                <a:solidFill>
+                  <a:schemeClr val="accent6">
+                    <a:lumMod val="50000"/>
+                  </a:schemeClr>
+                </a:solidFill>
+                <a:latin typeface="Times New Roman" panose="02020603050405020304" pitchFamily="18" charset="0"/>
+                <a:cs typeface="Times New Roman" panose="02020603050405020304" pitchFamily="18" charset="0"/>
+              </a:rPr>
+              <a:t>Pylance</a:t>
+            </a:r>
+            <a:r>
+              <a:rPr lang="pt-BR" sz="2000" b="1" dirty="0">
+                <a:solidFill>
+                  <a:schemeClr val="accent6">
+                    <a:lumMod val="50000"/>
+                  </a:schemeClr>
+                </a:solidFill>
+                <a:latin typeface="Times New Roman" panose="02020603050405020304" pitchFamily="18" charset="0"/>
+                <a:cs typeface="Times New Roman" panose="02020603050405020304" pitchFamily="18" charset="0"/>
+              </a:rPr>
+              <a:t> já instalado</a:t>
+            </a:r>
+            <a:r>
+              <a:rPr lang="pt-BR" sz="2000" b="1" dirty="0">
+                <a:solidFill>
+                  <a:srgbClr val="FF0000"/>
+                </a:solidFill>
+                <a:latin typeface="Times New Roman" panose="02020603050405020304" pitchFamily="18" charset="0"/>
+                <a:cs typeface="Times New Roman" panose="02020603050405020304" pitchFamily="18" charset="0"/>
+              </a:rPr>
+              <a:t>.</a:t>
+            </a:r>
+          </a:p>
+          <a:p>
+            <a:pPr marL="0" indent="0" algn="just">
+              <a:buNone/>
+            </a:pPr>
+            <a:endParaRPr lang="pt-BR" sz="2000" b="1" dirty="0">
+              <a:solidFill>
+                <a:srgbClr val="FF0000"/>
+              </a:solidFill>
               <a:latin typeface="Times New Roman" panose="02020603050405020304" pitchFamily="18" charset="0"/>
               <a:cs typeface="Times New Roman" panose="02020603050405020304" pitchFamily="18" charset="0"/>
             </a:endParaRPr>
@@ -7809,134 +8189,111 @@
             <a:pPr marL="0" indent="0" algn="just">
               <a:buNone/>
             </a:pPr>
-            <a:endParaRPr lang="pt-BR" sz="1800" dirty="0">
+            <a:r>
+              <a:rPr lang="pt-BR" sz="2000" b="1" dirty="0">
+                <a:solidFill>
+                  <a:schemeClr val="tx1"/>
+                </a:solidFill>
+                <a:latin typeface="Times New Roman" panose="02020603050405020304" pitchFamily="18" charset="0"/>
+                <a:cs typeface="Times New Roman" panose="02020603050405020304" pitchFamily="18" charset="0"/>
+              </a:rPr>
+              <a:t>-- Artigos </a:t>
+            </a:r>
+            <a:r>
+              <a:rPr lang="pt-BR" sz="2000" b="1" dirty="0">
+                <a:solidFill>
+                  <a:srgbClr val="FF0000"/>
+                </a:solidFill>
+                <a:latin typeface="Times New Roman" panose="02020603050405020304" pitchFamily="18" charset="0"/>
+                <a:cs typeface="Times New Roman" panose="02020603050405020304" pitchFamily="18" charset="0"/>
+              </a:rPr>
+              <a:t>(</a:t>
+            </a:r>
+            <a:r>
+              <a:rPr lang="pt-BR" sz="2000" b="1" dirty="0">
+                <a:solidFill>
+                  <a:srgbClr val="002060"/>
+                </a:solidFill>
+                <a:latin typeface="Times New Roman" panose="02020603050405020304" pitchFamily="18" charset="0"/>
+                <a:cs typeface="Times New Roman" panose="02020603050405020304" pitchFamily="18" charset="0"/>
+              </a:rPr>
+              <a:t>Extensões </a:t>
+            </a:r>
+            <a:r>
+              <a:rPr lang="pt-BR" sz="2000" b="1" dirty="0" err="1">
+                <a:solidFill>
+                  <a:srgbClr val="002060"/>
+                </a:solidFill>
+                <a:latin typeface="Times New Roman" panose="02020603050405020304" pitchFamily="18" charset="0"/>
+                <a:cs typeface="Times New Roman" panose="02020603050405020304" pitchFamily="18" charset="0"/>
+              </a:rPr>
+              <a:t>VSCode</a:t>
+            </a:r>
+            <a:r>
+              <a:rPr lang="pt-BR" sz="2000" b="1" dirty="0">
+                <a:solidFill>
+                  <a:srgbClr val="002060"/>
+                </a:solidFill>
+                <a:latin typeface="Times New Roman" panose="02020603050405020304" pitchFamily="18" charset="0"/>
+                <a:cs typeface="Times New Roman" panose="02020603050405020304" pitchFamily="18" charset="0"/>
+              </a:rPr>
+              <a:t> Python</a:t>
+            </a:r>
+            <a:r>
+              <a:rPr lang="pt-BR" sz="2000" b="1" dirty="0">
+                <a:solidFill>
+                  <a:srgbClr val="FF0000"/>
+                </a:solidFill>
+                <a:latin typeface="Times New Roman" panose="02020603050405020304" pitchFamily="18" charset="0"/>
+                <a:cs typeface="Times New Roman" panose="02020603050405020304" pitchFamily="18" charset="0"/>
+              </a:rPr>
+              <a:t>)</a:t>
+            </a:r>
+          </a:p>
+          <a:p>
+            <a:pPr algn="just">
+              <a:buAutoNum type="arabicPeriod"/>
+            </a:pPr>
+            <a:r>
+              <a:rPr lang="pt-BR" sz="1600" b="1" dirty="0">
+                <a:solidFill>
+                  <a:srgbClr val="FF0000"/>
+                </a:solidFill>
+                <a:latin typeface="Times New Roman" panose="02020603050405020304" pitchFamily="18" charset="0"/>
+                <a:cs typeface="Times New Roman" panose="02020603050405020304" pitchFamily="18" charset="0"/>
+                <a:hlinkClick r:id="rId3"/>
+              </a:rPr>
+              <a:t>https://hub.asimov.academy/blog/artigo/como-instalar-e-configurar-o-vscode?utm_source=google&amp;utm_medium=cpc&amp;gclid=Cj0KCQjw3JanBhCPARIsAJpXTx5E6KCflE3XuCMbbln1bauQYaubR4dm5OBgBxC4cKlqkcAuMx8LLssaArJsEALw_wcB</a:t>
+            </a:r>
+            <a:endParaRPr lang="pt-BR" sz="1600" b="1" dirty="0">
+              <a:solidFill>
+                <a:srgbClr val="FF0000"/>
+              </a:solidFill>
               <a:latin typeface="Times New Roman" panose="02020603050405020304" pitchFamily="18" charset="0"/>
               <a:cs typeface="Times New Roman" panose="02020603050405020304" pitchFamily="18" charset="0"/>
             </a:endParaRPr>
           </a:p>
           <a:p>
-            <a:pPr marL="0" indent="0" algn="just">
-              <a:buNone/>
-            </a:pPr>
-            <a:endParaRPr lang="pt-BR" sz="1800" dirty="0">
+            <a:pPr algn="just">
+              <a:buAutoNum type="arabicPeriod"/>
+            </a:pPr>
+            <a:r>
+              <a:rPr lang="pt-BR" sz="1600" b="1" dirty="0">
+                <a:solidFill>
+                  <a:srgbClr val="FF0000"/>
+                </a:solidFill>
+                <a:latin typeface="Times New Roman" panose="02020603050405020304" pitchFamily="18" charset="0"/>
+                <a:cs typeface="Times New Roman" panose="02020603050405020304" pitchFamily="18" charset="0"/>
+                <a:hlinkClick r:id="rId4"/>
+              </a:rPr>
+              <a:t>https://programadorviking.com.br/9-extensoes-de-python-para-vscode-aumente-sua-produtividade/</a:t>
+            </a:r>
+            <a:endParaRPr lang="pt-BR" sz="1600" b="1" dirty="0">
+              <a:solidFill>
+                <a:srgbClr val="FF0000"/>
+              </a:solidFill>
               <a:latin typeface="Times New Roman" panose="02020603050405020304" pitchFamily="18" charset="0"/>
               <a:cs typeface="Times New Roman" panose="02020603050405020304" pitchFamily="18" charset="0"/>
-            </a:endParaRPr>
-          </a:p>
-          <a:p>
-            <a:pPr marL="0" indent="0" algn="just">
-              <a:buNone/>
-            </a:pPr>
-            <a:r>
-              <a:rPr lang="pt-BR" sz="1800" dirty="0">
-                <a:latin typeface="Times New Roman" panose="02020603050405020304" pitchFamily="18" charset="0"/>
-                <a:cs typeface="Times New Roman" panose="02020603050405020304" pitchFamily="18" charset="0"/>
-              </a:rPr>
-              <a:t>[2</a:t>
-            </a:r>
-            <a:r>
-              <a:rPr lang="pt-BR" sz="1800">
-                <a:latin typeface="Times New Roman" panose="02020603050405020304" pitchFamily="18" charset="0"/>
-                <a:cs typeface="Times New Roman" panose="02020603050405020304" pitchFamily="18" charset="0"/>
-              </a:rPr>
-              <a:t>] Site: </a:t>
-            </a:r>
-            <a:r>
-              <a:rPr lang="pt-BR" sz="1800">
-                <a:latin typeface="Times New Roman" panose="02020603050405020304" pitchFamily="18" charset="0"/>
-                <a:cs typeface="Times New Roman" panose="02020603050405020304" pitchFamily="18" charset="0"/>
-                <a:hlinkClick r:id="rId4"/>
-              </a:rPr>
-              <a:t>https</a:t>
-            </a:r>
-            <a:r>
-              <a:rPr lang="pt-BR" sz="1800" dirty="0">
-                <a:latin typeface="Times New Roman" panose="02020603050405020304" pitchFamily="18" charset="0"/>
-                <a:cs typeface="Times New Roman" panose="02020603050405020304" pitchFamily="18" charset="0"/>
-                <a:hlinkClick r:id="rId4"/>
-              </a:rPr>
-              <a:t>://www.w3schools.com/python/python_variables.asp</a:t>
-            </a:r>
-            <a:endParaRPr lang="pt-BR" sz="1800" dirty="0">
-              <a:latin typeface="Times New Roman" panose="02020603050405020304" pitchFamily="18" charset="0"/>
-              <a:cs typeface="Times New Roman" panose="02020603050405020304" pitchFamily="18" charset="0"/>
-            </a:endParaRPr>
-          </a:p>
-          <a:p>
-            <a:pPr marL="0" indent="0" algn="just">
-              <a:buNone/>
-            </a:pPr>
-            <a:endParaRPr lang="pt-BR" sz="1800" dirty="0">
-              <a:latin typeface="Times New Roman" panose="02020603050405020304" pitchFamily="18" charset="0"/>
-              <a:cs typeface="Times New Roman" panose="02020603050405020304" pitchFamily="18" charset="0"/>
-            </a:endParaRPr>
-          </a:p>
-          <a:p>
-            <a:pPr marL="0" indent="0" algn="just">
-              <a:buNone/>
-            </a:pPr>
-            <a:endParaRPr lang="pt-BR" sz="1800" dirty="0">
-              <a:latin typeface="Times New Roman" panose="02020603050405020304" pitchFamily="18" charset="0"/>
-              <a:cs typeface="Times New Roman" panose="02020603050405020304" pitchFamily="18" charset="0"/>
-            </a:endParaRPr>
-          </a:p>
-          <a:p>
-            <a:pPr marL="0" indent="0" algn="just">
-              <a:buNone/>
-            </a:pPr>
-            <a:r>
-              <a:rPr lang="pt-BR" sz="1800" dirty="0">
-                <a:latin typeface="Times New Roman" panose="02020603050405020304" pitchFamily="18" charset="0"/>
-                <a:cs typeface="Times New Roman" panose="02020603050405020304" pitchFamily="18" charset="0"/>
-              </a:rPr>
-              <a:t>[3] Site: </a:t>
-            </a:r>
-            <a:r>
-              <a:rPr lang="pt-BR" sz="1800" dirty="0">
-                <a:latin typeface="Times New Roman" panose="02020603050405020304" pitchFamily="18" charset="0"/>
-                <a:cs typeface="Times New Roman" panose="02020603050405020304" pitchFamily="18" charset="0"/>
-                <a:hlinkClick r:id="rId5"/>
-              </a:rPr>
-              <a:t>https://docs.python.org/pt-br/3/tutorial/</a:t>
-            </a:r>
-            <a:endParaRPr lang="pt-BR" sz="1800" dirty="0">
-              <a:latin typeface="Times New Roman" panose="02020603050405020304" pitchFamily="18" charset="0"/>
-              <a:cs typeface="Times New Roman" panose="02020603050405020304" pitchFamily="18" charset="0"/>
-            </a:endParaRPr>
-          </a:p>
-          <a:p>
-            <a:pPr marL="0" indent="0" algn="just">
-              <a:buNone/>
-            </a:pPr>
-            <a:endParaRPr lang="pt-BR" sz="1800" dirty="0">
-              <a:latin typeface="Times New Roman" panose="02020603050405020304" pitchFamily="18" charset="0"/>
-              <a:cs typeface="Times New Roman" panose="02020603050405020304" pitchFamily="18" charset="0"/>
-            </a:endParaRPr>
-          </a:p>
-          <a:p>
-            <a:pPr marL="0" indent="0" algn="just">
-              <a:buNone/>
-            </a:pPr>
-            <a:endParaRPr lang="pt-BR" sz="1800" dirty="0">
-              <a:latin typeface="Times New Roman" panose="02020603050405020304" pitchFamily="18" charset="0"/>
-              <a:cs typeface="Times New Roman" panose="02020603050405020304" pitchFamily="18" charset="0"/>
-            </a:endParaRPr>
-          </a:p>
-          <a:p>
-            <a:pPr marL="0" indent="0" algn="just">
-              <a:buNone/>
-            </a:pPr>
-            <a:endParaRPr lang="pt-BR" sz="1800" dirty="0">
-              <a:latin typeface="Times New Roman" panose="02020603050405020304" pitchFamily="18" charset="0"/>
-              <a:cs typeface="Times New Roman" panose="02020603050405020304" pitchFamily="18" charset="0"/>
-            </a:endParaRPr>
-          </a:p>
-          <a:p>
-            <a:pPr marL="0" indent="0" algn="just">
-              <a:buNone/>
-            </a:pPr>
-            <a:endParaRPr lang="pt-BR" sz="1800" dirty="0">
-              <a:latin typeface="Calibri" panose="020F0502020204030204" pitchFamily="34" charset="0"/>
             </a:endParaRPr>
           </a:p>
         </p:txBody>
@@ -7944,7 +8301,7 @@
     </p:spTree>
     <p:extLst>
       <p:ext uri="{BB962C8B-B14F-4D97-AF65-F5344CB8AC3E}">
-        <p14:creationId xmlns:p14="http://schemas.microsoft.com/office/powerpoint/2010/main" val="3680270425"/>
+        <p14:creationId xmlns:p14="http://schemas.microsoft.com/office/powerpoint/2010/main" val="190674892"/>
       </p:ext>
     </p:extLst>
   </p:cSld>
@@ -8000,7 +8357,7 @@
                   <a:srgbClr val="0070C0"/>
                 </a:solidFill>
               </a:rPr>
-              <a:t>Aprenda</a:t>
+              <a:t>Leitura</a:t>
             </a:r>
             <a:r>
               <a:rPr lang="en-US" b="1" dirty="0">
@@ -8008,8 +8365,21 @@
                   <a:srgbClr val="0070C0"/>
                 </a:solidFill>
               </a:rPr>
-              <a:t>+</a:t>
-            </a:r>
+              <a:t> </a:t>
+            </a:r>
+            <a:r>
+              <a:rPr lang="en-US" b="1" dirty="0" err="1">
+                <a:solidFill>
+                  <a:srgbClr val="0070C0"/>
+                </a:solidFill>
+              </a:rPr>
+              <a:t>Específica</a:t>
+            </a:r>
+            <a:endParaRPr lang="en-US" b="1" dirty="0">
+              <a:solidFill>
+                <a:srgbClr val="0070C0"/>
+              </a:solidFill>
+            </a:endParaRPr>
           </a:p>
         </p:txBody>
       </p:sp>
@@ -8025,8 +8395,8 @@
         </p:nvSpPr>
         <p:spPr>
           <a:xfrm>
-            <a:off x="142865" y="1200150"/>
-            <a:ext cx="8865056" cy="3572265"/>
+            <a:off x="142865" y="1200151"/>
+            <a:ext cx="8865056" cy="3394472"/>
           </a:xfrm>
         </p:spPr>
         <p:txBody>
@@ -8043,7 +8413,7 @@
                 <a:latin typeface="Times New Roman" panose="02020603050405020304" pitchFamily="18" charset="0"/>
                 <a:cs typeface="Times New Roman" panose="02020603050405020304" pitchFamily="18" charset="0"/>
               </a:rPr>
-              <a:t>[1] Artigo: "9 razões para aprender programação". Disponível em: </a:t>
+              <a:t>[1] SEBESTA, Robert W. Conceitos de Linguagens de Programação. 11. edição. Porto Alegre: Bookman, 2018., Capítulo 1 (Preliminares). Disponível em: </a:t>
             </a:r>
             <a:r>
               <a:rPr lang="pt-BR" sz="1800" dirty="0">
@@ -8051,36 +8421,8 @@
                 <a:cs typeface="Times New Roman" panose="02020603050405020304" pitchFamily="18" charset="0"/>
                 <a:hlinkClick r:id="rId3"/>
               </a:rPr>
-              <a:t>https://www.digitalhouse.com/</a:t>
-            </a:r>
-            <a:r>
-              <a:rPr lang="pt-BR" sz="1800" dirty="0" err="1">
-                <a:latin typeface="Times New Roman" panose="02020603050405020304" pitchFamily="18" charset="0"/>
-                <a:cs typeface="Times New Roman" panose="02020603050405020304" pitchFamily="18" charset="0"/>
-                <a:hlinkClick r:id="rId3"/>
-              </a:rPr>
-              <a:t>br</a:t>
-            </a:r>
-            <a:r>
-              <a:rPr lang="pt-BR" sz="1800" dirty="0">
-                <a:latin typeface="Times New Roman" panose="02020603050405020304" pitchFamily="18" charset="0"/>
-                <a:cs typeface="Times New Roman" panose="02020603050405020304" pitchFamily="18" charset="0"/>
-                <a:hlinkClick r:id="rId3"/>
-              </a:rPr>
-              <a:t>/blog/9-motivos-aprender-programar-programador</a:t>
-            </a:r>
-            <a:r>
-              <a:rPr lang="pt-BR" sz="1800" dirty="0">
-                <a:latin typeface="Times New Roman" panose="02020603050405020304" pitchFamily="18" charset="0"/>
-                <a:cs typeface="Times New Roman" panose="02020603050405020304" pitchFamily="18" charset="0"/>
-              </a:rPr>
-              <a:t>.</a:t>
-            </a:r>
-          </a:p>
-          <a:p>
-            <a:pPr marL="0" indent="0" algn="just">
-              <a:buNone/>
-            </a:pPr>
+              <a:t>https://integrada.minhabiblioteca.com.br/#/books/9788582604694/</a:t>
+            </a:r>
             <a:endParaRPr lang="pt-BR" sz="1800" dirty="0">
               <a:latin typeface="Times New Roman" panose="02020603050405020304" pitchFamily="18" charset="0"/>
               <a:cs typeface="Times New Roman" panose="02020603050405020304" pitchFamily="18" charset="0"/>
@@ -8090,26 +8432,6 @@
             <a:pPr marL="0" indent="0" algn="just">
               <a:buNone/>
             </a:pPr>
-            <a:r>
-              <a:rPr lang="pt-BR" sz="1800" dirty="0">
-                <a:latin typeface="Times New Roman" panose="02020603050405020304" pitchFamily="18" charset="0"/>
-                <a:cs typeface="Times New Roman" panose="02020603050405020304" pitchFamily="18" charset="0"/>
-              </a:rPr>
-              <a:t>[2] </a:t>
-            </a:r>
-          </a:p>
-          <a:p>
-            <a:pPr marL="0" indent="0" algn="just">
-              <a:buNone/>
-            </a:pPr>
-            <a:r>
-              <a:rPr lang="pt-BR" sz="1800" dirty="0">
-                <a:latin typeface="Times New Roman" panose="02020603050405020304" pitchFamily="18" charset="0"/>
-                <a:cs typeface="Times New Roman" panose="02020603050405020304" pitchFamily="18" charset="0"/>
-                <a:hlinkClick r:id="rId4"/>
-              </a:rPr>
-              <a:t>https://www.treinaweb.com.br/blog/quais-as-diferencas-entre-tipagens-estatica-ou-dinamica-e-forte-ou-fraca?gclid=CjwKCAiAvOeQBhBkEiwAxutUVJAITKYmBgabusxcdVhB2GMAIC9CT_L4Cj7WGbSVhfoYbDq1T_oqqBoCbGMQAvD_BwE</a:t>
-            </a:r>
             <a:endParaRPr lang="pt-BR" sz="1800" dirty="0">
               <a:latin typeface="Times New Roman" panose="02020603050405020304" pitchFamily="18" charset="0"/>
               <a:cs typeface="Times New Roman" panose="02020603050405020304" pitchFamily="18" charset="0"/>
@@ -8133,15 +8455,30 @@
                 <a:latin typeface="Times New Roman" panose="02020603050405020304" pitchFamily="18" charset="0"/>
                 <a:cs typeface="Times New Roman" panose="02020603050405020304" pitchFamily="18" charset="0"/>
               </a:rPr>
-              <a:t>[3] Vídeo "Por que todos deveriam aprender a programar?". Disponível em:  </a:t>
+              <a:t>[2</a:t>
+            </a:r>
+            <a:r>
+              <a:rPr lang="pt-BR" sz="1800">
+                <a:latin typeface="Times New Roman" panose="02020603050405020304" pitchFamily="18" charset="0"/>
+                <a:cs typeface="Times New Roman" panose="02020603050405020304" pitchFamily="18" charset="0"/>
+              </a:rPr>
+              <a:t>] Site: </a:t>
+            </a:r>
+            <a:r>
+              <a:rPr lang="pt-BR" sz="1800">
+                <a:latin typeface="Times New Roman" panose="02020603050405020304" pitchFamily="18" charset="0"/>
+                <a:cs typeface="Times New Roman" panose="02020603050405020304" pitchFamily="18" charset="0"/>
+                <a:hlinkClick r:id="rId4"/>
+              </a:rPr>
+              <a:t>https</a:t>
             </a:r>
             <a:r>
               <a:rPr lang="pt-BR" sz="1800" dirty="0">
                 <a:latin typeface="Times New Roman" panose="02020603050405020304" pitchFamily="18" charset="0"/>
                 <a:cs typeface="Times New Roman" panose="02020603050405020304" pitchFamily="18" charset="0"/>
-                <a:hlinkClick r:id="rId5"/>
-              </a:rPr>
-              <a:t>https://www.youtube.com/watch?v=mHW1Hsqlp6A</a:t>
+                <a:hlinkClick r:id="rId4"/>
+              </a:rPr>
+              <a:t>://www.w3schools.com/python/python_variables.asp</a:t>
             </a:r>
             <a:endParaRPr lang="pt-BR" sz="1800" dirty="0">
               <a:latin typeface="Times New Roman" panose="02020603050405020304" pitchFamily="18" charset="0"/>
@@ -8161,6 +8498,30 @@
             <a:pPr marL="0" indent="0" algn="just">
               <a:buNone/>
             </a:pPr>
+            <a:endParaRPr lang="pt-BR" sz="1800" dirty="0">
+              <a:latin typeface="Times New Roman" panose="02020603050405020304" pitchFamily="18" charset="0"/>
+              <a:cs typeface="Times New Roman" panose="02020603050405020304" pitchFamily="18" charset="0"/>
+            </a:endParaRPr>
+          </a:p>
+          <a:p>
+            <a:pPr marL="0" indent="0" algn="just">
+              <a:buNone/>
+            </a:pPr>
+            <a:r>
+              <a:rPr lang="pt-BR" sz="1800" dirty="0">
+                <a:latin typeface="Times New Roman" panose="02020603050405020304" pitchFamily="18" charset="0"/>
+                <a:cs typeface="Times New Roman" panose="02020603050405020304" pitchFamily="18" charset="0"/>
+              </a:rPr>
+              <a:t>[3] Site: </a:t>
+            </a:r>
+            <a:r>
+              <a:rPr lang="pt-BR" sz="1800" dirty="0">
+                <a:latin typeface="Times New Roman" panose="02020603050405020304" pitchFamily="18" charset="0"/>
+                <a:cs typeface="Times New Roman" panose="02020603050405020304" pitchFamily="18" charset="0"/>
+                <a:hlinkClick r:id="rId5"/>
+              </a:rPr>
+              <a:t>https://docs.python.org/pt-br/3/tutorial/</a:t>
+            </a:r>
             <a:endParaRPr lang="pt-BR" sz="1800" dirty="0">
               <a:latin typeface="Times New Roman" panose="02020603050405020304" pitchFamily="18" charset="0"/>
               <a:cs typeface="Times New Roman" panose="02020603050405020304" pitchFamily="18" charset="0"/>
@@ -8206,7 +8567,7 @@
     </p:spTree>
     <p:extLst>
       <p:ext uri="{BB962C8B-B14F-4D97-AF65-F5344CB8AC3E}">
-        <p14:creationId xmlns:p14="http://schemas.microsoft.com/office/powerpoint/2010/main" val="2747596967"/>
+        <p14:creationId xmlns:p14="http://schemas.microsoft.com/office/powerpoint/2010/main" val="3680270425"/>
       </p:ext>
     </p:extLst>
   </p:cSld>
@@ -8789,7 +9150,7 @@
                   <a:srgbClr val="0070C0"/>
                 </a:solidFill>
               </a:rPr>
-              <a:t>Dinâmica</a:t>
+              <a:t>Aprenda</a:t>
             </a:r>
             <a:r>
               <a:rPr lang="en-US" b="1" dirty="0">
@@ -8797,21 +9158,8 @@
                   <a:srgbClr val="0070C0"/>
                 </a:solidFill>
               </a:rPr>
-              <a:t>/</a:t>
-            </a:r>
-            <a:r>
-              <a:rPr lang="en-US" b="1" dirty="0" err="1">
-                <a:solidFill>
-                  <a:srgbClr val="0070C0"/>
-                </a:solidFill>
-              </a:rPr>
-              <a:t>Atividades</a:t>
-            </a:r>
-            <a:endParaRPr lang="en-US" b="1" dirty="0">
-              <a:solidFill>
-                <a:srgbClr val="0070C0"/>
-              </a:solidFill>
-            </a:endParaRPr>
+              <a:t>+</a:t>
+            </a:r>
           </a:p>
         </p:txBody>
       </p:sp>
@@ -8827,8 +9175,8 @@
         </p:nvSpPr>
         <p:spPr>
           <a:xfrm>
-            <a:off x="139472" y="1063230"/>
-            <a:ext cx="8865056" cy="3606305"/>
+            <a:off x="142865" y="1200150"/>
+            <a:ext cx="8865056" cy="3572265"/>
           </a:xfrm>
         </p:spPr>
         <p:txBody>
@@ -8841,58 +9189,49 @@
               <a:buNone/>
             </a:pPr>
             <a:r>
-              <a:rPr lang="pt-BR" dirty="0">
-                <a:latin typeface="Times New Roman" panose="02020603050405020304" pitchFamily="18" charset="0"/>
-                <a:cs typeface="Times New Roman" panose="02020603050405020304" pitchFamily="18" charset="0"/>
-              </a:rPr>
-              <a:t>- Imprimir </a:t>
-            </a:r>
-            <a:r>
-              <a:rPr lang="pt-BR" dirty="0" err="1">
-                <a:latin typeface="Times New Roman" panose="02020603050405020304" pitchFamily="18" charset="0"/>
-                <a:cs typeface="Times New Roman" panose="02020603050405020304" pitchFamily="18" charset="0"/>
-              </a:rPr>
-              <a:t>Hello</a:t>
-            </a:r>
-            <a:r>
-              <a:rPr lang="pt-BR" dirty="0">
-                <a:latin typeface="Times New Roman" panose="02020603050405020304" pitchFamily="18" charset="0"/>
-                <a:cs typeface="Times New Roman" panose="02020603050405020304" pitchFamily="18" charset="0"/>
-              </a:rPr>
-              <a:t> World em Python.</a:t>
+              <a:rPr lang="pt-BR" sz="1800" dirty="0">
+                <a:latin typeface="Times New Roman" panose="02020603050405020304" pitchFamily="18" charset="0"/>
+                <a:cs typeface="Times New Roman" panose="02020603050405020304" pitchFamily="18" charset="0"/>
+              </a:rPr>
+              <a:t>[1] Artigo: "9 razões para aprender programação". Disponível em: </a:t>
+            </a:r>
+            <a:r>
+              <a:rPr lang="pt-BR" sz="1800" dirty="0">
+                <a:latin typeface="Times New Roman" panose="02020603050405020304" pitchFamily="18" charset="0"/>
+                <a:cs typeface="Times New Roman" panose="02020603050405020304" pitchFamily="18" charset="0"/>
+                <a:hlinkClick r:id="rId3"/>
+              </a:rPr>
+              <a:t>https://www.digitalhouse.com/</a:t>
+            </a:r>
+            <a:r>
+              <a:rPr lang="pt-BR" sz="1800" dirty="0" err="1">
+                <a:latin typeface="Times New Roman" panose="02020603050405020304" pitchFamily="18" charset="0"/>
+                <a:cs typeface="Times New Roman" panose="02020603050405020304" pitchFamily="18" charset="0"/>
+                <a:hlinkClick r:id="rId3"/>
+              </a:rPr>
+              <a:t>br</a:t>
+            </a:r>
+            <a:r>
+              <a:rPr lang="pt-BR" sz="1800" dirty="0">
+                <a:latin typeface="Times New Roman" panose="02020603050405020304" pitchFamily="18" charset="0"/>
+                <a:cs typeface="Times New Roman" panose="02020603050405020304" pitchFamily="18" charset="0"/>
+                <a:hlinkClick r:id="rId3"/>
+              </a:rPr>
+              <a:t>/blog/9-motivos-aprender-programar-programador</a:t>
+            </a:r>
+            <a:r>
+              <a:rPr lang="pt-BR" sz="1800" dirty="0">
+                <a:latin typeface="Times New Roman" panose="02020603050405020304" pitchFamily="18" charset="0"/>
+                <a:cs typeface="Times New Roman" panose="02020603050405020304" pitchFamily="18" charset="0"/>
+              </a:rPr>
+              <a:t>.</a:t>
             </a:r>
           </a:p>
           <a:p>
             <a:pPr marL="0" indent="0" algn="just">
               <a:buNone/>
             </a:pPr>
-            <a:r>
-              <a:rPr lang="pt-BR" dirty="0">
-                <a:latin typeface="Times New Roman" panose="02020603050405020304" pitchFamily="18" charset="0"/>
-                <a:cs typeface="Times New Roman" panose="02020603050405020304" pitchFamily="18" charset="0"/>
-              </a:rPr>
-              <a:t>  Utilizar comando print(‘</a:t>
-            </a:r>
-            <a:r>
-              <a:rPr lang="pt-BR" dirty="0" err="1">
-                <a:latin typeface="Times New Roman" panose="02020603050405020304" pitchFamily="18" charset="0"/>
-                <a:cs typeface="Times New Roman" panose="02020603050405020304" pitchFamily="18" charset="0"/>
-              </a:rPr>
-              <a:t>Hello</a:t>
-            </a:r>
-            <a:r>
-              <a:rPr lang="pt-BR" dirty="0">
-                <a:latin typeface="Times New Roman" panose="02020603050405020304" pitchFamily="18" charset="0"/>
-                <a:cs typeface="Times New Roman" panose="02020603050405020304" pitchFamily="18" charset="0"/>
-              </a:rPr>
-              <a:t> World’);</a:t>
-            </a:r>
-          </a:p>
-          <a:p>
-            <a:pPr marL="0" indent="0" algn="just">
-              <a:buNone/>
-            </a:pPr>
-            <a:endParaRPr lang="pt-BR" dirty="0">
+            <a:endParaRPr lang="pt-BR" sz="1800" dirty="0">
               <a:latin typeface="Times New Roman" panose="02020603050405020304" pitchFamily="18" charset="0"/>
               <a:cs typeface="Times New Roman" panose="02020603050405020304" pitchFamily="18" charset="0"/>
             </a:endParaRPr>
@@ -8902,21 +9241,26 @@
               <a:buNone/>
             </a:pPr>
             <a:r>
-              <a:rPr lang="pt-BR" dirty="0">
-                <a:latin typeface="Times New Roman" panose="02020603050405020304" pitchFamily="18" charset="0"/>
-                <a:cs typeface="Times New Roman" panose="02020603050405020304" pitchFamily="18" charset="0"/>
-              </a:rPr>
-              <a:t>Nota: Acessar </a:t>
-            </a:r>
-            <a:r>
-              <a:rPr lang="pt-BR" dirty="0">
-                <a:latin typeface="Times New Roman" panose="02020603050405020304" pitchFamily="18" charset="0"/>
-                <a:cs typeface="Times New Roman" panose="02020603050405020304" pitchFamily="18" charset="0"/>
-                <a:hlinkClick r:id="rId3"/>
-              </a:rPr>
-              <a:t>https://onlinegdb.com</a:t>
-            </a:r>
-            <a:endParaRPr lang="pt-BR" dirty="0">
+              <a:rPr lang="pt-BR" sz="1800" dirty="0">
+                <a:latin typeface="Times New Roman" panose="02020603050405020304" pitchFamily="18" charset="0"/>
+                <a:cs typeface="Times New Roman" panose="02020603050405020304" pitchFamily="18" charset="0"/>
+              </a:rPr>
+              <a:t>[2] </a:t>
+            </a:r>
+          </a:p>
+          <a:p>
+            <a:pPr marL="0" indent="0" algn="just">
+              <a:buNone/>
+            </a:pPr>
+            <a:r>
+              <a:rPr lang="pt-BR" sz="1800" dirty="0">
+                <a:latin typeface="Times New Roman" panose="02020603050405020304" pitchFamily="18" charset="0"/>
+                <a:cs typeface="Times New Roman" panose="02020603050405020304" pitchFamily="18" charset="0"/>
+                <a:hlinkClick r:id="rId4"/>
+              </a:rPr>
+              <a:t>https://www.treinaweb.com.br/blog/quais-as-diferencas-entre-tipagens-estatica-ou-dinamica-e-forte-ou-fraca?gclid=CjwKCAiAvOeQBhBkEiwAxutUVJAITKYmBgabusxcdVhB2GMAIC9CT_L4Cj7WGbSVhfoYbDq1T_oqqBoCbGMQAvD_BwE</a:t>
+            </a:r>
+            <a:endParaRPr lang="pt-BR" sz="1800" dirty="0">
               <a:latin typeface="Times New Roman" panose="02020603050405020304" pitchFamily="18" charset="0"/>
               <a:cs typeface="Times New Roman" panose="02020603050405020304" pitchFamily="18" charset="0"/>
             </a:endParaRPr>
@@ -8925,7 +9269,7 @@
             <a:pPr marL="0" indent="0" algn="just">
               <a:buNone/>
             </a:pPr>
-            <a:endParaRPr lang="pt-BR" dirty="0">
+            <a:endParaRPr lang="pt-BR" sz="1800" dirty="0">
               <a:latin typeface="Times New Roman" panose="02020603050405020304" pitchFamily="18" charset="0"/>
               <a:cs typeface="Times New Roman" panose="02020603050405020304" pitchFamily="18" charset="0"/>
             </a:endParaRPr>
@@ -8934,7 +9278,22 @@
             <a:pPr marL="0" indent="0" algn="just">
               <a:buNone/>
             </a:pPr>
-            <a:endParaRPr lang="pt-BR" dirty="0">
+            <a:r>
+              <a:rPr lang="pt-BR" sz="1800" dirty="0">
+                <a:latin typeface="Times New Roman" panose="02020603050405020304" pitchFamily="18" charset="0"/>
+                <a:cs typeface="Times New Roman" panose="02020603050405020304" pitchFamily="18" charset="0"/>
+              </a:rPr>
+              <a:t>[3] Vídeo "Por que todos deveriam aprender a programar?". Disponível em:  </a:t>
+            </a:r>
+            <a:r>
+              <a:rPr lang="pt-BR" sz="1800" dirty="0">
+                <a:latin typeface="Times New Roman" panose="02020603050405020304" pitchFamily="18" charset="0"/>
+                <a:cs typeface="Times New Roman" panose="02020603050405020304" pitchFamily="18" charset="0"/>
+                <a:hlinkClick r:id="rId5"/>
+              </a:rPr>
+              <a:t>https://www.youtube.com/watch?v=mHW1Hsqlp6A</a:t>
+            </a:r>
+            <a:endParaRPr lang="pt-BR" sz="1800" dirty="0">
               <a:latin typeface="Times New Roman" panose="02020603050405020304" pitchFamily="18" charset="0"/>
               <a:cs typeface="Times New Roman" panose="02020603050405020304" pitchFamily="18" charset="0"/>
             </a:endParaRPr>
@@ -8943,28 +9302,52 @@
             <a:pPr marL="0" indent="0" algn="just">
               <a:buNone/>
             </a:pPr>
-            <a:endParaRPr lang="pt-BR" dirty="0">
+            <a:endParaRPr lang="pt-BR" sz="1800" dirty="0">
               <a:latin typeface="Times New Roman" panose="02020603050405020304" pitchFamily="18" charset="0"/>
               <a:cs typeface="Times New Roman" panose="02020603050405020304" pitchFamily="18" charset="0"/>
             </a:endParaRPr>
           </a:p>
           <a:p>
-            <a:pPr algn="just"/>
-            <a:endParaRPr lang="pt-BR" dirty="0">
+            <a:pPr marL="0" indent="0" algn="just">
+              <a:buNone/>
+            </a:pPr>
+            <a:endParaRPr lang="pt-BR" sz="1800" dirty="0">
               <a:latin typeface="Times New Roman" panose="02020603050405020304" pitchFamily="18" charset="0"/>
               <a:cs typeface="Times New Roman" panose="02020603050405020304" pitchFamily="18" charset="0"/>
             </a:endParaRPr>
           </a:p>
           <a:p>
-            <a:pPr algn="just"/>
-            <a:endParaRPr lang="pt-BR" dirty="0">
+            <a:pPr marL="0" indent="0" algn="just">
+              <a:buNone/>
+            </a:pPr>
+            <a:endParaRPr lang="pt-BR" sz="1800" dirty="0">
               <a:latin typeface="Times New Roman" panose="02020603050405020304" pitchFamily="18" charset="0"/>
               <a:cs typeface="Times New Roman" panose="02020603050405020304" pitchFamily="18" charset="0"/>
             </a:endParaRPr>
           </a:p>
           <a:p>
-            <a:pPr algn="just"/>
-            <a:endParaRPr lang="pt-BR" dirty="0">
+            <a:pPr marL="0" indent="0" algn="just">
+              <a:buNone/>
+            </a:pPr>
+            <a:endParaRPr lang="pt-BR" sz="1800" dirty="0">
+              <a:latin typeface="Times New Roman" panose="02020603050405020304" pitchFamily="18" charset="0"/>
+              <a:cs typeface="Times New Roman" panose="02020603050405020304" pitchFamily="18" charset="0"/>
+            </a:endParaRPr>
+          </a:p>
+          <a:p>
+            <a:pPr marL="0" indent="0" algn="just">
+              <a:buNone/>
+            </a:pPr>
+            <a:endParaRPr lang="pt-BR" sz="1800" dirty="0">
+              <a:latin typeface="Times New Roman" panose="02020603050405020304" pitchFamily="18" charset="0"/>
+              <a:cs typeface="Times New Roman" panose="02020603050405020304" pitchFamily="18" charset="0"/>
+            </a:endParaRPr>
+          </a:p>
+          <a:p>
+            <a:pPr marL="0" indent="0" algn="just">
+              <a:buNone/>
+            </a:pPr>
+            <a:endParaRPr lang="pt-BR" sz="1800" dirty="0">
               <a:latin typeface="Calibri" panose="020F0502020204030204" pitchFamily="34" charset="0"/>
             </a:endParaRPr>
           </a:p>
@@ -8973,7 +9356,7 @@
     </p:spTree>
     <p:extLst>
       <p:ext uri="{BB962C8B-B14F-4D97-AF65-F5344CB8AC3E}">
-        <p14:creationId xmlns:p14="http://schemas.microsoft.com/office/powerpoint/2010/main" val="2470652989"/>
+        <p14:creationId xmlns:p14="http://schemas.microsoft.com/office/powerpoint/2010/main" val="2747596967"/>
       </p:ext>
     </p:extLst>
   </p:cSld>
@@ -9029,6 +9412,246 @@
                   <a:srgbClr val="0070C0"/>
                 </a:solidFill>
               </a:rPr>
+              <a:t>Dinâmica</a:t>
+            </a:r>
+            <a:r>
+              <a:rPr lang="en-US" b="1" dirty="0">
+                <a:solidFill>
+                  <a:srgbClr val="0070C0"/>
+                </a:solidFill>
+              </a:rPr>
+              <a:t>/</a:t>
+            </a:r>
+            <a:r>
+              <a:rPr lang="en-US" b="1" dirty="0" err="1">
+                <a:solidFill>
+                  <a:srgbClr val="0070C0"/>
+                </a:solidFill>
+              </a:rPr>
+              <a:t>Atividades</a:t>
+            </a:r>
+            <a:endParaRPr lang="en-US" b="1" dirty="0">
+              <a:solidFill>
+                <a:srgbClr val="0070C0"/>
+              </a:solidFill>
+            </a:endParaRPr>
+          </a:p>
+        </p:txBody>
+      </p:sp>
+      <p:sp>
+        <p:nvSpPr>
+          <p:cNvPr id="8" name="Text Placeholder 2"/>
+          <p:cNvSpPr>
+            <a:spLocks noGrp="1"/>
+          </p:cNvSpPr>
+          <p:nvPr>
+            <p:ph type="body" sz="half" idx="1"/>
+          </p:nvPr>
+        </p:nvSpPr>
+        <p:spPr>
+          <a:xfrm>
+            <a:off x="139472" y="1063230"/>
+            <a:ext cx="8865056" cy="3606305"/>
+          </a:xfrm>
+        </p:spPr>
+        <p:txBody>
+          <a:bodyPr>
+            <a:noAutofit/>
+          </a:bodyPr>
+          <a:lstStyle/>
+          <a:p>
+            <a:pPr marL="0" indent="0" algn="just">
+              <a:buNone/>
+            </a:pPr>
+            <a:r>
+              <a:rPr lang="pt-BR" dirty="0">
+                <a:latin typeface="Times New Roman" panose="02020603050405020304" pitchFamily="18" charset="0"/>
+                <a:cs typeface="Times New Roman" panose="02020603050405020304" pitchFamily="18" charset="0"/>
+              </a:rPr>
+              <a:t>- Imprimir </a:t>
+            </a:r>
+            <a:r>
+              <a:rPr lang="pt-BR" dirty="0" err="1">
+                <a:latin typeface="Times New Roman" panose="02020603050405020304" pitchFamily="18" charset="0"/>
+                <a:cs typeface="Times New Roman" panose="02020603050405020304" pitchFamily="18" charset="0"/>
+              </a:rPr>
+              <a:t>Hello</a:t>
+            </a:r>
+            <a:r>
+              <a:rPr lang="pt-BR" dirty="0">
+                <a:latin typeface="Times New Roman" panose="02020603050405020304" pitchFamily="18" charset="0"/>
+                <a:cs typeface="Times New Roman" panose="02020603050405020304" pitchFamily="18" charset="0"/>
+              </a:rPr>
+              <a:t> World em Python.</a:t>
+            </a:r>
+          </a:p>
+          <a:p>
+            <a:pPr marL="0" indent="0" algn="just">
+              <a:buNone/>
+            </a:pPr>
+            <a:r>
+              <a:rPr lang="pt-BR" dirty="0">
+                <a:latin typeface="Times New Roman" panose="02020603050405020304" pitchFamily="18" charset="0"/>
+                <a:cs typeface="Times New Roman" panose="02020603050405020304" pitchFamily="18" charset="0"/>
+              </a:rPr>
+              <a:t>  Utilizar comando print(‘</a:t>
+            </a:r>
+            <a:r>
+              <a:rPr lang="pt-BR" dirty="0" err="1">
+                <a:latin typeface="Times New Roman" panose="02020603050405020304" pitchFamily="18" charset="0"/>
+                <a:cs typeface="Times New Roman" panose="02020603050405020304" pitchFamily="18" charset="0"/>
+              </a:rPr>
+              <a:t>Hello</a:t>
+            </a:r>
+            <a:r>
+              <a:rPr lang="pt-BR" dirty="0">
+                <a:latin typeface="Times New Roman" panose="02020603050405020304" pitchFamily="18" charset="0"/>
+                <a:cs typeface="Times New Roman" panose="02020603050405020304" pitchFamily="18" charset="0"/>
+              </a:rPr>
+              <a:t> World’);</a:t>
+            </a:r>
+          </a:p>
+          <a:p>
+            <a:pPr marL="0" indent="0" algn="just">
+              <a:buNone/>
+            </a:pPr>
+            <a:endParaRPr lang="pt-BR" dirty="0">
+              <a:latin typeface="Times New Roman" panose="02020603050405020304" pitchFamily="18" charset="0"/>
+              <a:cs typeface="Times New Roman" panose="02020603050405020304" pitchFamily="18" charset="0"/>
+            </a:endParaRPr>
+          </a:p>
+          <a:p>
+            <a:pPr marL="0" indent="0" algn="just">
+              <a:buNone/>
+            </a:pPr>
+            <a:r>
+              <a:rPr lang="pt-BR" dirty="0">
+                <a:latin typeface="Times New Roman" panose="02020603050405020304" pitchFamily="18" charset="0"/>
+                <a:cs typeface="Times New Roman" panose="02020603050405020304" pitchFamily="18" charset="0"/>
+              </a:rPr>
+              <a:t>Nota: Acessar </a:t>
+            </a:r>
+            <a:r>
+              <a:rPr lang="pt-BR" dirty="0">
+                <a:latin typeface="Times New Roman" panose="02020603050405020304" pitchFamily="18" charset="0"/>
+                <a:cs typeface="Times New Roman" panose="02020603050405020304" pitchFamily="18" charset="0"/>
+                <a:hlinkClick r:id="rId3"/>
+              </a:rPr>
+              <a:t>https://onlinegdb.com</a:t>
+            </a:r>
+            <a:endParaRPr lang="pt-BR" dirty="0">
+              <a:latin typeface="Times New Roman" panose="02020603050405020304" pitchFamily="18" charset="0"/>
+              <a:cs typeface="Times New Roman" panose="02020603050405020304" pitchFamily="18" charset="0"/>
+            </a:endParaRPr>
+          </a:p>
+          <a:p>
+            <a:pPr marL="0" indent="0" algn="just">
+              <a:buNone/>
+            </a:pPr>
+            <a:endParaRPr lang="pt-BR" dirty="0">
+              <a:latin typeface="Times New Roman" panose="02020603050405020304" pitchFamily="18" charset="0"/>
+              <a:cs typeface="Times New Roman" panose="02020603050405020304" pitchFamily="18" charset="0"/>
+            </a:endParaRPr>
+          </a:p>
+          <a:p>
+            <a:pPr marL="0" indent="0" algn="just">
+              <a:buNone/>
+            </a:pPr>
+            <a:endParaRPr lang="pt-BR" dirty="0">
+              <a:latin typeface="Times New Roman" panose="02020603050405020304" pitchFamily="18" charset="0"/>
+              <a:cs typeface="Times New Roman" panose="02020603050405020304" pitchFamily="18" charset="0"/>
+            </a:endParaRPr>
+          </a:p>
+          <a:p>
+            <a:pPr marL="0" indent="0" algn="just">
+              <a:buNone/>
+            </a:pPr>
+            <a:endParaRPr lang="pt-BR" dirty="0">
+              <a:latin typeface="Times New Roman" panose="02020603050405020304" pitchFamily="18" charset="0"/>
+              <a:cs typeface="Times New Roman" panose="02020603050405020304" pitchFamily="18" charset="0"/>
+            </a:endParaRPr>
+          </a:p>
+          <a:p>
+            <a:pPr algn="just"/>
+            <a:endParaRPr lang="pt-BR" dirty="0">
+              <a:latin typeface="Times New Roman" panose="02020603050405020304" pitchFamily="18" charset="0"/>
+              <a:cs typeface="Times New Roman" panose="02020603050405020304" pitchFamily="18" charset="0"/>
+            </a:endParaRPr>
+          </a:p>
+          <a:p>
+            <a:pPr algn="just"/>
+            <a:endParaRPr lang="pt-BR" dirty="0">
+              <a:latin typeface="Times New Roman" panose="02020603050405020304" pitchFamily="18" charset="0"/>
+              <a:cs typeface="Times New Roman" panose="02020603050405020304" pitchFamily="18" charset="0"/>
+            </a:endParaRPr>
+          </a:p>
+          <a:p>
+            <a:pPr algn="just"/>
+            <a:endParaRPr lang="pt-BR" dirty="0">
+              <a:latin typeface="Calibri" panose="020F0502020204030204" pitchFamily="34" charset="0"/>
+            </a:endParaRPr>
+          </a:p>
+        </p:txBody>
+      </p:sp>
+    </p:spTree>
+    <p:extLst>
+      <p:ext uri="{BB962C8B-B14F-4D97-AF65-F5344CB8AC3E}">
+        <p14:creationId xmlns:p14="http://schemas.microsoft.com/office/powerpoint/2010/main" val="2470652989"/>
+      </p:ext>
+    </p:extLst>
+  </p:cSld>
+  <p:clrMapOvr>
+    <a:masterClrMapping/>
+  </p:clrMapOvr>
+  <p:transition spd="med"/>
+</p:sld>
+</file>
+
+<file path=ppt/slides/slide22.xml><?xml version="1.0" encoding="utf-8"?>
+<p:sld xmlns:a="http://schemas.openxmlformats.org/drawingml/2006/main" xmlns:r="http://schemas.openxmlformats.org/officeDocument/2006/relationships" xmlns:p="http://schemas.openxmlformats.org/presentationml/2006/main">
+  <p:cSld>
+    <p:spTree>
+      <p:nvGrpSpPr>
+        <p:cNvPr id="1" name=""/>
+        <p:cNvGrpSpPr/>
+        <p:nvPr/>
+      </p:nvGrpSpPr>
+      <p:grpSpPr>
+        <a:xfrm>
+          <a:off x="0" y="0"/>
+          <a:ext cx="0" cy="0"/>
+          <a:chOff x="0" y="0"/>
+          <a:chExt cx="0" cy="0"/>
+        </a:xfrm>
+      </p:grpSpPr>
+      <p:sp>
+        <p:nvSpPr>
+          <p:cNvPr id="6" name="Title 1"/>
+          <p:cNvSpPr>
+            <a:spLocks noGrp="1"/>
+          </p:cNvSpPr>
+          <p:nvPr>
+            <p:ph type="title"/>
+          </p:nvPr>
+        </p:nvSpPr>
+        <p:spPr>
+          <a:xfrm>
+            <a:off x="457200" y="205980"/>
+            <a:ext cx="8229600" cy="857251"/>
+          </a:xfrm>
+        </p:spPr>
+        <p:txBody>
+          <a:bodyPr>
+            <a:normAutofit/>
+          </a:bodyPr>
+          <a:lstStyle/>
+          <a:p>
+            <a:r>
+              <a:rPr lang="en-US" b="1" dirty="0" err="1">
+                <a:solidFill>
+                  <a:srgbClr val="0070C0"/>
+                </a:solidFill>
+              </a:rPr>
               <a:t>Referências</a:t>
             </a:r>
             <a:r>
@@ -9151,7 +9774,7 @@
 </p:sld>
 </file>
 
-<file path=ppt/slides/slide22.xml><?xml version="1.0" encoding="utf-8"?>
+<file path=ppt/slides/slide23.xml><?xml version="1.0" encoding="utf-8"?>
 <p:sld xmlns:a="http://schemas.openxmlformats.org/drawingml/2006/main" xmlns:r="http://schemas.openxmlformats.org/officeDocument/2006/relationships" xmlns:p="http://schemas.openxmlformats.org/presentationml/2006/main">
   <p:cSld>
     <p:spTree>
